--- a/active-record-pattern.pptx
+++ b/active-record-pattern.pptx
@@ -112,7 +112,16 @@
       </a:defRPr>
     </a:lvl9pPr>
   </p:defaultTextStyle>
+  <p:extLst>
+    <p:ext uri="{EFAFB233-063F-42B5-8137-9DF3F51BA10A}">
+      <p15:sldGuideLst xmlns:p15="http://schemas.microsoft.com/office/powerpoint/2012/main"/>
+    </p:ext>
+  </p:extLst>
 </p:presentation>
+</file>
+
+<file path=ppt/revisionInfo.xml><?xml version="1.0" encoding="utf-8"?>
+<p1510:revInfo xmlns:a="http://schemas.openxmlformats.org/drawingml/2006/main" xmlns:r="http://schemas.openxmlformats.org/officeDocument/2006/relationships" xmlns:p1510="http://schemas.microsoft.com/office/powerpoint/2015/10/main"/>
 </file>
 
 <file path=ppt/slideLayouts/slideLayout1.xml><?xml version="1.0" encoding="utf-8"?>
@@ -165,7 +174,7 @@
           <a:noFill/>
           <a:extLst>
             <a:ext uri="{909E8E84-426E-40dd-AFC4-6F175D3DCCD1}">
-              <a14:hiddenFill xmlns:a14="http://schemas.microsoft.com/office/drawing/2010/main" xmlns="">
+              <a14:hiddenFill xmlns="" xmlns:a14="http://schemas.microsoft.com/office/drawing/2010/main">
                 <a:solidFill>
                   <a:srgbClr val="FFFFFF"/>
                 </a:solidFill>
@@ -225,7 +234,7 @@
             </a:ln>
             <a:extLst>
               <a:ext uri="{91240B29-F687-4f45-9708-019B960494DF}">
-                <a14:hiddenLine xmlns:a14="http://schemas.microsoft.com/office/drawing/2010/main" xmlns="" w="9525">
+                <a14:hiddenLine xmlns="" xmlns:a14="http://schemas.microsoft.com/office/drawing/2010/main" w="9525">
                   <a:solidFill>
                     <a:srgbClr val="000000"/>
                   </a:solidFill>
@@ -315,7 +324,7 @@
             </a:ln>
             <a:extLst>
               <a:ext uri="{91240B29-F687-4f45-9708-019B960494DF}">
-                <a14:hiddenLine xmlns:a14="http://schemas.microsoft.com/office/drawing/2010/main" xmlns="" w="9525">
+                <a14:hiddenLine xmlns="" xmlns:a14="http://schemas.microsoft.com/office/drawing/2010/main" w="9525">
                   <a:solidFill>
                     <a:srgbClr val="000000"/>
                   </a:solidFill>
@@ -405,7 +414,7 @@
             </a:ln>
             <a:extLst>
               <a:ext uri="{91240B29-F687-4f45-9708-019B960494DF}">
-                <a14:hiddenLine xmlns:a14="http://schemas.microsoft.com/office/drawing/2010/main" xmlns="" w="9525">
+                <a14:hiddenLine xmlns="" xmlns:a14="http://schemas.microsoft.com/office/drawing/2010/main" w="9525">
                   <a:solidFill>
                     <a:srgbClr val="000000"/>
                   </a:solidFill>
@@ -439,7 +448,7 @@
             </a:ln>
             <a:extLst>
               <a:ext uri="{91240B29-F687-4f45-9708-019B960494DF}">
-                <a14:hiddenLine xmlns:a14="http://schemas.microsoft.com/office/drawing/2010/main" xmlns="" w="9525">
+                <a14:hiddenLine xmlns="" xmlns:a14="http://schemas.microsoft.com/office/drawing/2010/main" w="9525">
                   <a:solidFill>
                     <a:srgbClr val="000000"/>
                   </a:solidFill>
@@ -529,7 +538,7 @@
             </a:ln>
             <a:extLst>
               <a:ext uri="{91240B29-F687-4f45-9708-019B960494DF}">
-                <a14:hiddenLine xmlns:a14="http://schemas.microsoft.com/office/drawing/2010/main" xmlns="" w="9525">
+                <a14:hiddenLine xmlns="" xmlns:a14="http://schemas.microsoft.com/office/drawing/2010/main" w="9525">
                   <a:solidFill>
                     <a:srgbClr val="000000"/>
                   </a:solidFill>
@@ -591,7 +600,7 @@
             </a:ln>
             <a:extLst>
               <a:ext uri="{91240B29-F687-4f45-9708-019B960494DF}">
-                <a14:hiddenLine xmlns:a14="http://schemas.microsoft.com/office/drawing/2010/main" xmlns="" w="9525">
+                <a14:hiddenLine xmlns="" xmlns:a14="http://schemas.microsoft.com/office/drawing/2010/main" w="9525">
                   <a:solidFill>
                     <a:srgbClr val="000000"/>
                   </a:solidFill>
@@ -653,7 +662,7 @@
             </a:ln>
             <a:extLst>
               <a:ext uri="{91240B29-F687-4f45-9708-019B960494DF}">
-                <a14:hiddenLine xmlns:a14="http://schemas.microsoft.com/office/drawing/2010/main" xmlns="" w="9525">
+                <a14:hiddenLine xmlns="" xmlns:a14="http://schemas.microsoft.com/office/drawing/2010/main" w="9525">
                   <a:solidFill>
                     <a:srgbClr val="000000"/>
                   </a:solidFill>
@@ -743,7 +752,7 @@
             </a:ln>
             <a:extLst>
               <a:ext uri="{91240B29-F687-4f45-9708-019B960494DF}">
-                <a14:hiddenLine xmlns:a14="http://schemas.microsoft.com/office/drawing/2010/main" xmlns="" w="9525">
+                <a14:hiddenLine xmlns="" xmlns:a14="http://schemas.microsoft.com/office/drawing/2010/main" w="9525">
                   <a:solidFill>
                     <a:srgbClr val="000000"/>
                   </a:solidFill>
@@ -805,7 +814,7 @@
             </a:ln>
             <a:extLst>
               <a:ext uri="{91240B29-F687-4f45-9708-019B960494DF}">
-                <a14:hiddenLine xmlns:a14="http://schemas.microsoft.com/office/drawing/2010/main" xmlns="" w="9525">
+                <a14:hiddenLine xmlns="" xmlns:a14="http://schemas.microsoft.com/office/drawing/2010/main" w="9525">
                   <a:solidFill>
                     <a:srgbClr val="000000"/>
                   </a:solidFill>
@@ -867,7 +876,7 @@
             </a:ln>
             <a:extLst>
               <a:ext uri="{91240B29-F687-4f45-9708-019B960494DF}">
-                <a14:hiddenLine xmlns:a14="http://schemas.microsoft.com/office/drawing/2010/main" xmlns="" w="9525">
+                <a14:hiddenLine xmlns="" xmlns:a14="http://schemas.microsoft.com/office/drawing/2010/main" w="9525">
                   <a:solidFill>
                     <a:srgbClr val="000000"/>
                   </a:solidFill>
@@ -957,7 +966,7 @@
             </a:ln>
             <a:extLst>
               <a:ext uri="{91240B29-F687-4f45-9708-019B960494DF}">
-                <a14:hiddenLine xmlns:a14="http://schemas.microsoft.com/office/drawing/2010/main" xmlns="" w="9525">
+                <a14:hiddenLine xmlns="" xmlns:a14="http://schemas.microsoft.com/office/drawing/2010/main" w="9525">
                   <a:solidFill>
                     <a:srgbClr val="000000"/>
                   </a:solidFill>
@@ -1047,7 +1056,7 @@
             </a:ln>
             <a:extLst>
               <a:ext uri="{91240B29-F687-4f45-9708-019B960494DF}">
-                <a14:hiddenLine xmlns:a14="http://schemas.microsoft.com/office/drawing/2010/main" xmlns="" w="9525">
+                <a14:hiddenLine xmlns="" xmlns:a14="http://schemas.microsoft.com/office/drawing/2010/main" w="9525">
                   <a:solidFill>
                     <a:srgbClr val="000000"/>
                   </a:solidFill>
@@ -1109,7 +1118,7 @@
             </a:ln>
             <a:extLst>
               <a:ext uri="{91240B29-F687-4f45-9708-019B960494DF}">
-                <a14:hiddenLine xmlns:a14="http://schemas.microsoft.com/office/drawing/2010/main" xmlns="" w="9525">
+                <a14:hiddenLine xmlns="" xmlns:a14="http://schemas.microsoft.com/office/drawing/2010/main" w="9525">
                   <a:solidFill>
                     <a:srgbClr val="000000"/>
                   </a:solidFill>
@@ -1219,7 +1228,7 @@
             </a:ln>
             <a:extLst>
               <a:ext uri="{91240B29-F687-4f45-9708-019B960494DF}">
-                <a14:hiddenLine xmlns:a14="http://schemas.microsoft.com/office/drawing/2010/main" xmlns="" w="9525">
+                <a14:hiddenLine xmlns="" xmlns:a14="http://schemas.microsoft.com/office/drawing/2010/main" w="9525">
                   <a:solidFill>
                     <a:srgbClr val="000000"/>
                   </a:solidFill>
@@ -1281,7 +1290,7 @@
             </a:ln>
             <a:extLst>
               <a:ext uri="{91240B29-F687-4f45-9708-019B960494DF}">
-                <a14:hiddenLine xmlns:a14="http://schemas.microsoft.com/office/drawing/2010/main" xmlns="" w="9525">
+                <a14:hiddenLine xmlns="" xmlns:a14="http://schemas.microsoft.com/office/drawing/2010/main" w="9525">
                   <a:solidFill>
                     <a:srgbClr val="000000"/>
                   </a:solidFill>
@@ -1371,7 +1380,7 @@
             </a:ln>
             <a:extLst>
               <a:ext uri="{91240B29-F687-4f45-9708-019B960494DF}">
-                <a14:hiddenLine xmlns:a14="http://schemas.microsoft.com/office/drawing/2010/main" xmlns="" w="9525">
+                <a14:hiddenLine xmlns="" xmlns:a14="http://schemas.microsoft.com/office/drawing/2010/main" w="9525">
                   <a:solidFill>
                     <a:srgbClr val="000000"/>
                   </a:solidFill>
@@ -1461,7 +1470,7 @@
             </a:ln>
             <a:extLst>
               <a:ext uri="{91240B29-F687-4f45-9708-019B960494DF}">
-                <a14:hiddenLine xmlns:a14="http://schemas.microsoft.com/office/drawing/2010/main" xmlns="" w="9525">
+                <a14:hiddenLine xmlns="" xmlns:a14="http://schemas.microsoft.com/office/drawing/2010/main" w="9525">
                   <a:solidFill>
                     <a:srgbClr val="000000"/>
                   </a:solidFill>
@@ -1523,7 +1532,7 @@
             </a:ln>
             <a:extLst>
               <a:ext uri="{91240B29-F687-4f45-9708-019B960494DF}">
-                <a14:hiddenLine xmlns:a14="http://schemas.microsoft.com/office/drawing/2010/main" xmlns="" w="9525">
+                <a14:hiddenLine xmlns="" xmlns:a14="http://schemas.microsoft.com/office/drawing/2010/main" w="9525">
                   <a:solidFill>
                     <a:srgbClr val="000000"/>
                   </a:solidFill>
@@ -1613,7 +1622,7 @@
             </a:ln>
             <a:extLst>
               <a:ext uri="{91240B29-F687-4f45-9708-019B960494DF}">
-                <a14:hiddenLine xmlns:a14="http://schemas.microsoft.com/office/drawing/2010/main" xmlns="" w="9525">
+                <a14:hiddenLine xmlns="" xmlns:a14="http://schemas.microsoft.com/office/drawing/2010/main" w="9525">
                   <a:solidFill>
                     <a:srgbClr val="000000"/>
                   </a:solidFill>
@@ -1703,7 +1712,7 @@
             </a:ln>
             <a:extLst>
               <a:ext uri="{91240B29-F687-4f45-9708-019B960494DF}">
-                <a14:hiddenLine xmlns:a14="http://schemas.microsoft.com/office/drawing/2010/main" xmlns="" w="9525">
+                <a14:hiddenLine xmlns="" xmlns:a14="http://schemas.microsoft.com/office/drawing/2010/main" w="9525">
                   <a:solidFill>
                     <a:srgbClr val="000000"/>
                   </a:solidFill>
@@ -1759,7 +1768,7 @@
             </a:ln>
             <a:extLst>
               <a:ext uri="{91240B29-F687-4f45-9708-019B960494DF}">
-                <a14:hiddenLine xmlns:a14="http://schemas.microsoft.com/office/drawing/2010/main" xmlns="" w="9525">
+                <a14:hiddenLine xmlns="" xmlns:a14="http://schemas.microsoft.com/office/drawing/2010/main" w="9525">
                   <a:solidFill>
                     <a:srgbClr val="000000"/>
                   </a:solidFill>
@@ -1849,7 +1858,7 @@
             </a:ln>
             <a:extLst>
               <a:ext uri="{91240B29-F687-4f45-9708-019B960494DF}">
-                <a14:hiddenLine xmlns:a14="http://schemas.microsoft.com/office/drawing/2010/main" xmlns="" w="9525">
+                <a14:hiddenLine xmlns="" xmlns:a14="http://schemas.microsoft.com/office/drawing/2010/main" w="9525">
                   <a:solidFill>
                     <a:srgbClr val="000000"/>
                   </a:solidFill>
@@ -1905,7 +1914,7 @@
             </a:ln>
             <a:extLst>
               <a:ext uri="{91240B29-F687-4f45-9708-019B960494DF}">
-                <a14:hiddenLine xmlns:a14="http://schemas.microsoft.com/office/drawing/2010/main" xmlns="" w="9525">
+                <a14:hiddenLine xmlns="" xmlns:a14="http://schemas.microsoft.com/office/drawing/2010/main" w="9525">
                   <a:solidFill>
                     <a:srgbClr val="000000"/>
                   </a:solidFill>
@@ -1995,7 +2004,7 @@
             </a:ln>
             <a:extLst>
               <a:ext uri="{91240B29-F687-4f45-9708-019B960494DF}">
-                <a14:hiddenLine xmlns:a14="http://schemas.microsoft.com/office/drawing/2010/main" xmlns="" w="9525">
+                <a14:hiddenLine xmlns="" xmlns:a14="http://schemas.microsoft.com/office/drawing/2010/main" w="9525">
                   <a:solidFill>
                     <a:srgbClr val="000000"/>
                   </a:solidFill>
@@ -2063,7 +2072,7 @@
             </a:ln>
             <a:extLst>
               <a:ext uri="{91240B29-F687-4f45-9708-019B960494DF}">
-                <a14:hiddenLine xmlns:a14="http://schemas.microsoft.com/office/drawing/2010/main" xmlns="" w="9525">
+                <a14:hiddenLine xmlns="" xmlns:a14="http://schemas.microsoft.com/office/drawing/2010/main" w="9525">
                   <a:solidFill>
                     <a:srgbClr val="000000"/>
                   </a:solidFill>
@@ -2153,7 +2162,7 @@
             </a:ln>
             <a:extLst>
               <a:ext uri="{91240B29-F687-4f45-9708-019B960494DF}">
-                <a14:hiddenLine xmlns:a14="http://schemas.microsoft.com/office/drawing/2010/main" xmlns="" w="9525">
+                <a14:hiddenLine xmlns="" xmlns:a14="http://schemas.microsoft.com/office/drawing/2010/main" w="9525">
                   <a:solidFill>
                     <a:srgbClr val="000000"/>
                   </a:solidFill>
@@ -2221,7 +2230,7 @@
             </a:ln>
             <a:extLst>
               <a:ext uri="{91240B29-F687-4f45-9708-019B960494DF}">
-                <a14:hiddenLine xmlns:a14="http://schemas.microsoft.com/office/drawing/2010/main" xmlns="" w="9525">
+                <a14:hiddenLine xmlns="" xmlns:a14="http://schemas.microsoft.com/office/drawing/2010/main" w="9525">
                   <a:solidFill>
                     <a:srgbClr val="000000"/>
                   </a:solidFill>
@@ -2311,7 +2320,7 @@
             </a:ln>
             <a:extLst>
               <a:ext uri="{91240B29-F687-4f45-9708-019B960494DF}">
-                <a14:hiddenLine xmlns:a14="http://schemas.microsoft.com/office/drawing/2010/main" xmlns="" w="9525">
+                <a14:hiddenLine xmlns="" xmlns:a14="http://schemas.microsoft.com/office/drawing/2010/main" w="9525">
                   <a:solidFill>
                     <a:srgbClr val="000000"/>
                   </a:solidFill>
@@ -2345,7 +2354,7 @@
             </a:ln>
             <a:extLst>
               <a:ext uri="{91240B29-F687-4f45-9708-019B960494DF}">
-                <a14:hiddenLine xmlns:a14="http://schemas.microsoft.com/office/drawing/2010/main" xmlns="" w="9525">
+                <a14:hiddenLine xmlns="" xmlns:a14="http://schemas.microsoft.com/office/drawing/2010/main" w="9525">
                   <a:solidFill>
                     <a:srgbClr val="000000"/>
                   </a:solidFill>
@@ -2435,7 +2444,7 @@
             </a:ln>
             <a:extLst>
               <a:ext uri="{91240B29-F687-4f45-9708-019B960494DF}">
-                <a14:hiddenLine xmlns:a14="http://schemas.microsoft.com/office/drawing/2010/main" xmlns="" w="9525">
+                <a14:hiddenLine xmlns="" xmlns:a14="http://schemas.microsoft.com/office/drawing/2010/main" w="9525">
                   <a:solidFill>
                     <a:srgbClr val="000000"/>
                   </a:solidFill>
@@ -2497,7 +2506,7 @@
             </a:ln>
             <a:extLst>
               <a:ext uri="{91240B29-F687-4f45-9708-019B960494DF}">
-                <a14:hiddenLine xmlns:a14="http://schemas.microsoft.com/office/drawing/2010/main" xmlns="" w="9525">
+                <a14:hiddenLine xmlns="" xmlns:a14="http://schemas.microsoft.com/office/drawing/2010/main" w="9525">
                   <a:solidFill>
                     <a:srgbClr val="000000"/>
                   </a:solidFill>
@@ -2559,7 +2568,7 @@
             </a:ln>
             <a:extLst>
               <a:ext uri="{91240B29-F687-4f45-9708-019B960494DF}">
-                <a14:hiddenLine xmlns:a14="http://schemas.microsoft.com/office/drawing/2010/main" xmlns="" w="9525">
+                <a14:hiddenLine xmlns="" xmlns:a14="http://schemas.microsoft.com/office/drawing/2010/main" w="9525">
                   <a:solidFill>
                     <a:srgbClr val="000000"/>
                   </a:solidFill>
@@ -2649,7 +2658,7 @@
             </a:ln>
             <a:extLst>
               <a:ext uri="{91240B29-F687-4f45-9708-019B960494DF}">
-                <a14:hiddenLine xmlns:a14="http://schemas.microsoft.com/office/drawing/2010/main" xmlns="" w="9525">
+                <a14:hiddenLine xmlns="" xmlns:a14="http://schemas.microsoft.com/office/drawing/2010/main" w="9525">
                   <a:solidFill>
                     <a:srgbClr val="000000"/>
                   </a:solidFill>
@@ -2717,7 +2726,7 @@
             </a:ln>
             <a:extLst>
               <a:ext uri="{91240B29-F687-4f45-9708-019B960494DF}">
-                <a14:hiddenLine xmlns:a14="http://schemas.microsoft.com/office/drawing/2010/main" xmlns="" w="9525">
+                <a14:hiddenLine xmlns="" xmlns:a14="http://schemas.microsoft.com/office/drawing/2010/main" w="9525">
                   <a:solidFill>
                     <a:srgbClr val="000000"/>
                   </a:solidFill>
@@ -2779,7 +2788,7 @@
             </a:ln>
             <a:extLst>
               <a:ext uri="{91240B29-F687-4f45-9708-019B960494DF}">
-                <a14:hiddenLine xmlns:a14="http://schemas.microsoft.com/office/drawing/2010/main" xmlns="" w="9525">
+                <a14:hiddenLine xmlns="" xmlns:a14="http://schemas.microsoft.com/office/drawing/2010/main" w="9525">
                   <a:solidFill>
                     <a:srgbClr val="000000"/>
                   </a:solidFill>
@@ -2869,7 +2878,7 @@
             </a:ln>
             <a:extLst>
               <a:ext uri="{91240B29-F687-4f45-9708-019B960494DF}">
-                <a14:hiddenLine xmlns:a14="http://schemas.microsoft.com/office/drawing/2010/main" xmlns="" w="9525">
+                <a14:hiddenLine xmlns="" xmlns:a14="http://schemas.microsoft.com/office/drawing/2010/main" w="9525">
                   <a:solidFill>
                     <a:srgbClr val="000000"/>
                   </a:solidFill>
@@ -2931,7 +2940,7 @@
             </a:ln>
             <a:extLst>
               <a:ext uri="{91240B29-F687-4f45-9708-019B960494DF}">
-                <a14:hiddenLine xmlns:a14="http://schemas.microsoft.com/office/drawing/2010/main" xmlns="" w="9525">
+                <a14:hiddenLine xmlns="" xmlns:a14="http://schemas.microsoft.com/office/drawing/2010/main" w="9525">
                   <a:solidFill>
                     <a:srgbClr val="000000"/>
                   </a:solidFill>
@@ -3021,7 +3030,7 @@
             </a:ln>
             <a:extLst>
               <a:ext uri="{91240B29-F687-4f45-9708-019B960494DF}">
-                <a14:hiddenLine xmlns:a14="http://schemas.microsoft.com/office/drawing/2010/main" xmlns="" w="9525">
+                <a14:hiddenLine xmlns="" xmlns:a14="http://schemas.microsoft.com/office/drawing/2010/main" w="9525">
                   <a:solidFill>
                     <a:srgbClr val="000000"/>
                   </a:solidFill>
@@ -3083,7 +3092,7 @@
             </a:ln>
             <a:extLst>
               <a:ext uri="{91240B29-F687-4f45-9708-019B960494DF}">
-                <a14:hiddenLine xmlns:a14="http://schemas.microsoft.com/office/drawing/2010/main" xmlns="" w="9525">
+                <a14:hiddenLine xmlns="" xmlns:a14="http://schemas.microsoft.com/office/drawing/2010/main" w="9525">
                   <a:solidFill>
                     <a:srgbClr val="000000"/>
                   </a:solidFill>
@@ -3173,7 +3182,7 @@
             </a:ln>
             <a:extLst>
               <a:ext uri="{91240B29-F687-4f45-9708-019B960494DF}">
-                <a14:hiddenLine xmlns:a14="http://schemas.microsoft.com/office/drawing/2010/main" xmlns="" w="9525">
+                <a14:hiddenLine xmlns="" xmlns:a14="http://schemas.microsoft.com/office/drawing/2010/main" w="9525">
                   <a:solidFill>
                     <a:srgbClr val="000000"/>
                   </a:solidFill>
@@ -3207,7 +3216,7 @@
             </a:ln>
             <a:extLst>
               <a:ext uri="{91240B29-F687-4f45-9708-019B960494DF}">
-                <a14:hiddenLine xmlns:a14="http://schemas.microsoft.com/office/drawing/2010/main" xmlns="" w="9525">
+                <a14:hiddenLine xmlns="" xmlns:a14="http://schemas.microsoft.com/office/drawing/2010/main" w="9525">
                   <a:solidFill>
                     <a:srgbClr val="000000"/>
                   </a:solidFill>
@@ -3272,7 +3281,7 @@
             </a:ln>
             <a:extLst>
               <a:ext uri="{91240B29-F687-4f45-9708-019B960494DF}">
-                <a14:hiddenLine xmlns:a14="http://schemas.microsoft.com/office/drawing/2010/main" xmlns="" w="9525">
+                <a14:hiddenLine xmlns="" xmlns:a14="http://schemas.microsoft.com/office/drawing/2010/main" w="9525">
                   <a:solidFill>
                     <a:srgbClr val="000000"/>
                   </a:solidFill>
@@ -3362,7 +3371,7 @@
             </a:ln>
             <a:extLst>
               <a:ext uri="{91240B29-F687-4f45-9708-019B960494DF}">
-                <a14:hiddenLine xmlns:a14="http://schemas.microsoft.com/office/drawing/2010/main" xmlns="" w="9525">
+                <a14:hiddenLine xmlns="" xmlns:a14="http://schemas.microsoft.com/office/drawing/2010/main" w="9525">
                   <a:solidFill>
                     <a:srgbClr val="000000"/>
                   </a:solidFill>
@@ -3424,7 +3433,7 @@
             </a:ln>
             <a:extLst>
               <a:ext uri="{91240B29-F687-4f45-9708-019B960494DF}">
-                <a14:hiddenLine xmlns:a14="http://schemas.microsoft.com/office/drawing/2010/main" xmlns="" w="9525">
+                <a14:hiddenLine xmlns="" xmlns:a14="http://schemas.microsoft.com/office/drawing/2010/main" w="9525">
                   <a:solidFill>
                     <a:srgbClr val="000000"/>
                   </a:solidFill>
@@ -3514,7 +3523,7 @@
             </a:ln>
             <a:extLst>
               <a:ext uri="{91240B29-F687-4f45-9708-019B960494DF}">
-                <a14:hiddenLine xmlns:a14="http://schemas.microsoft.com/office/drawing/2010/main" xmlns="" w="9525">
+                <a14:hiddenLine xmlns="" xmlns:a14="http://schemas.microsoft.com/office/drawing/2010/main" w="9525">
                   <a:solidFill>
                     <a:srgbClr val="000000"/>
                   </a:solidFill>
@@ -3604,7 +3613,7 @@
             </a:ln>
             <a:extLst>
               <a:ext uri="{91240B29-F687-4f45-9708-019B960494DF}">
-                <a14:hiddenLine xmlns:a14="http://schemas.microsoft.com/office/drawing/2010/main" xmlns="" w="9525">
+                <a14:hiddenLine xmlns="" xmlns:a14="http://schemas.microsoft.com/office/drawing/2010/main" w="9525">
                   <a:solidFill>
                     <a:srgbClr val="000000"/>
                   </a:solidFill>
@@ -3669,7 +3678,7 @@
             </a:ln>
             <a:extLst>
               <a:ext uri="{91240B29-F687-4f45-9708-019B960494DF}">
-                <a14:hiddenLine xmlns:a14="http://schemas.microsoft.com/office/drawing/2010/main" xmlns="" w="9525">
+                <a14:hiddenLine xmlns="" xmlns:a14="http://schemas.microsoft.com/office/drawing/2010/main" w="9525">
                   <a:solidFill>
                     <a:srgbClr val="000000"/>
                   </a:solidFill>
@@ -3731,7 +3740,7 @@
             </a:ln>
             <a:extLst>
               <a:ext uri="{91240B29-F687-4f45-9708-019B960494DF}">
-                <a14:hiddenLine xmlns:a14="http://schemas.microsoft.com/office/drawing/2010/main" xmlns="" w="9525">
+                <a14:hiddenLine xmlns="" xmlns:a14="http://schemas.microsoft.com/office/drawing/2010/main" w="9525">
                   <a:solidFill>
                     <a:srgbClr val="000000"/>
                   </a:solidFill>
@@ -3821,7 +3830,7 @@
             </a:ln>
             <a:extLst>
               <a:ext uri="{91240B29-F687-4f45-9708-019B960494DF}">
-                <a14:hiddenLine xmlns:a14="http://schemas.microsoft.com/office/drawing/2010/main" xmlns="" w="9525">
+                <a14:hiddenLine xmlns="" xmlns:a14="http://schemas.microsoft.com/office/drawing/2010/main" w="9525">
                   <a:solidFill>
                     <a:srgbClr val="000000"/>
                   </a:solidFill>
@@ -3911,7 +3920,7 @@
             </a:ln>
             <a:extLst>
               <a:ext uri="{91240B29-F687-4f45-9708-019B960494DF}">
-                <a14:hiddenLine xmlns:a14="http://schemas.microsoft.com/office/drawing/2010/main" xmlns="" w="9525">
+                <a14:hiddenLine xmlns="" xmlns:a14="http://schemas.microsoft.com/office/drawing/2010/main" w="9525">
                   <a:solidFill>
                     <a:srgbClr val="000000"/>
                   </a:solidFill>
@@ -3973,7 +3982,7 @@
             </a:ln>
             <a:extLst>
               <a:ext uri="{91240B29-F687-4f45-9708-019B960494DF}">
-                <a14:hiddenLine xmlns:a14="http://schemas.microsoft.com/office/drawing/2010/main" xmlns="" w="9525">
+                <a14:hiddenLine xmlns="" xmlns:a14="http://schemas.microsoft.com/office/drawing/2010/main" w="9525">
                   <a:solidFill>
                     <a:srgbClr val="000000"/>
                   </a:solidFill>
@@ -4093,7 +4102,7 @@
             </a:ln>
             <a:extLst>
               <a:ext uri="{91240B29-F687-4f45-9708-019B960494DF}">
-                <a14:hiddenLine xmlns:a14="http://schemas.microsoft.com/office/drawing/2010/main" xmlns="" w="9525">
+                <a14:hiddenLine xmlns="" xmlns:a14="http://schemas.microsoft.com/office/drawing/2010/main" w="9525">
                   <a:solidFill>
                     <a:srgbClr val="000000"/>
                   </a:solidFill>
@@ -4161,7 +4170,7 @@
             </a:ln>
             <a:extLst>
               <a:ext uri="{91240B29-F687-4f45-9708-019B960494DF}">
-                <a14:hiddenLine xmlns:a14="http://schemas.microsoft.com/office/drawing/2010/main" xmlns="" w="9525">
+                <a14:hiddenLine xmlns="" xmlns:a14="http://schemas.microsoft.com/office/drawing/2010/main" w="9525">
                   <a:solidFill>
                     <a:srgbClr val="000000"/>
                   </a:solidFill>
@@ -4251,7 +4260,7 @@
             </a:ln>
             <a:extLst>
               <a:ext uri="{91240B29-F687-4f45-9708-019B960494DF}">
-                <a14:hiddenLine xmlns:a14="http://schemas.microsoft.com/office/drawing/2010/main" xmlns="" w="9525">
+                <a14:hiddenLine xmlns="" xmlns:a14="http://schemas.microsoft.com/office/drawing/2010/main" w="9525">
                   <a:solidFill>
                     <a:srgbClr val="000000"/>
                   </a:solidFill>
@@ -4391,7 +4400,7 @@
           <a:p>
             <a:fld id="{48A87A34-81AB-432B-8DAE-1953F412C126}" type="datetimeFigureOut">
               <a:rPr lang="en-US" dirty="0"/>
-              <a:t>12/5/2017</a:t>
+              <a:t>12/7/2017</a:t>
             </a:fld>
             <a:endParaRPr lang="en-US" dirty="0"/>
           </a:p>
@@ -4653,7 +4662,7 @@
           <a:p>
             <a:fld id="{48A87A34-81AB-432B-8DAE-1953F412C126}" type="datetimeFigureOut">
               <a:rPr lang="en-US" dirty="0"/>
-              <a:t>12/5/2017</a:t>
+              <a:t>12/7/2017</a:t>
             </a:fld>
             <a:endParaRPr lang="en-US" dirty="0"/>
           </a:p>
@@ -4844,7 +4853,7 @@
           <a:p>
             <a:fld id="{48A87A34-81AB-432B-8DAE-1953F412C126}" type="datetimeFigureOut">
               <a:rPr lang="en-US" dirty="0"/>
-              <a:t>12/5/2017</a:t>
+              <a:t>12/7/2017</a:t>
             </a:fld>
             <a:endParaRPr lang="en-US" dirty="0"/>
           </a:p>
@@ -5102,7 +5111,7 @@
           <a:p>
             <a:fld id="{48A87A34-81AB-432B-8DAE-1953F412C126}" type="datetimeFigureOut">
               <a:rPr lang="en-US" dirty="0"/>
-              <a:t>12/5/2017</a:t>
+              <a:t>12/7/2017</a:t>
             </a:fld>
             <a:endParaRPr lang="en-US" dirty="0"/>
           </a:p>
@@ -5531,7 +5540,7 @@
           <a:p>
             <a:fld id="{48A87A34-81AB-432B-8DAE-1953F412C126}" type="datetimeFigureOut">
               <a:rPr lang="en-US" dirty="0"/>
-              <a:t>12/5/2017</a:t>
+              <a:t>12/7/2017</a:t>
             </a:fld>
             <a:endParaRPr lang="en-US" dirty="0"/>
           </a:p>
@@ -6072,7 +6081,7 @@
           <a:p>
             <a:fld id="{48A87A34-81AB-432B-8DAE-1953F412C126}" type="datetimeFigureOut">
               <a:rPr lang="en-US" dirty="0"/>
-              <a:t>12/5/2017</a:t>
+              <a:t>12/7/2017</a:t>
             </a:fld>
             <a:endParaRPr lang="en-US" dirty="0"/>
           </a:p>
@@ -6787,7 +6796,7 @@
           <a:p>
             <a:fld id="{48A87A34-81AB-432B-8DAE-1953F412C126}" type="datetimeFigureOut">
               <a:rPr lang="en-US" dirty="0"/>
-              <a:t>12/5/2017</a:t>
+              <a:t>12/7/2017</a:t>
             </a:fld>
             <a:endParaRPr lang="en-US" dirty="0"/>
           </a:p>
@@ -6952,7 +6961,7 @@
           <a:p>
             <a:fld id="{48A87A34-81AB-432B-8DAE-1953F412C126}" type="datetimeFigureOut">
               <a:rPr lang="en-US" dirty="0"/>
-              <a:t>12/5/2017</a:t>
+              <a:t>12/7/2017</a:t>
             </a:fld>
             <a:endParaRPr lang="en-US" dirty="0"/>
           </a:p>
@@ -7127,7 +7136,7 @@
           <a:p>
             <a:fld id="{48A87A34-81AB-432B-8DAE-1953F412C126}" type="datetimeFigureOut">
               <a:rPr lang="en-US" dirty="0"/>
-              <a:t>12/5/2017</a:t>
+              <a:t>12/7/2017</a:t>
             </a:fld>
             <a:endParaRPr lang="en-US" dirty="0"/>
           </a:p>
@@ -7292,7 +7301,7 @@
           <a:p>
             <a:fld id="{48A87A34-81AB-432B-8DAE-1953F412C126}" type="datetimeFigureOut">
               <a:rPr lang="en-US" dirty="0"/>
-              <a:t>12/5/2017</a:t>
+              <a:t>12/7/2017</a:t>
             </a:fld>
             <a:endParaRPr lang="en-US" dirty="0"/>
           </a:p>
@@ -7537,7 +7546,7 @@
           <a:p>
             <a:fld id="{48A87A34-81AB-432B-8DAE-1953F412C126}" type="datetimeFigureOut">
               <a:rPr lang="en-US" dirty="0"/>
-              <a:t>12/5/2017</a:t>
+              <a:t>12/7/2017</a:t>
             </a:fld>
             <a:endParaRPr lang="en-US" dirty="0"/>
           </a:p>
@@ -7764,7 +7773,7 @@
           <a:p>
             <a:fld id="{48A87A34-81AB-432B-8DAE-1953F412C126}" type="datetimeFigureOut">
               <a:rPr lang="en-US" dirty="0"/>
-              <a:t>12/5/2017</a:t>
+              <a:t>12/7/2017</a:t>
             </a:fld>
             <a:endParaRPr lang="en-US" dirty="0"/>
           </a:p>
@@ -8140,7 +8149,7 @@
           <a:p>
             <a:fld id="{48A87A34-81AB-432B-8DAE-1953F412C126}" type="datetimeFigureOut">
               <a:rPr lang="en-US" dirty="0"/>
-              <a:t>12/5/2017</a:t>
+              <a:t>12/7/2017</a:t>
             </a:fld>
             <a:endParaRPr lang="en-US" dirty="0"/>
           </a:p>
@@ -8253,7 +8262,7 @@
           <a:p>
             <a:fld id="{48A87A34-81AB-432B-8DAE-1953F412C126}" type="datetimeFigureOut">
               <a:rPr lang="en-US" dirty="0"/>
-              <a:t>12/5/2017</a:t>
+              <a:t>12/7/2017</a:t>
             </a:fld>
             <a:endParaRPr lang="en-US" dirty="0"/>
           </a:p>
@@ -8343,7 +8352,7 @@
           <a:p>
             <a:fld id="{48A87A34-81AB-432B-8DAE-1953F412C126}" type="datetimeFigureOut">
               <a:rPr lang="en-US" dirty="0"/>
-              <a:t>12/5/2017</a:t>
+              <a:t>12/7/2017</a:t>
             </a:fld>
             <a:endParaRPr lang="en-US" dirty="0"/>
           </a:p>
@@ -8587,7 +8596,7 @@
           <a:p>
             <a:fld id="{48A87A34-81AB-432B-8DAE-1953F412C126}" type="datetimeFigureOut">
               <a:rPr lang="en-US" dirty="0"/>
-              <a:t>12/5/2017</a:t>
+              <a:t>12/7/2017</a:t>
             </a:fld>
             <a:endParaRPr lang="en-US" dirty="0"/>
           </a:p>
@@ -8862,7 +8871,7 @@
           <a:p>
             <a:fld id="{48A87A34-81AB-432B-8DAE-1953F412C126}" type="datetimeFigureOut">
               <a:rPr lang="en-US" dirty="0"/>
-              <a:t>12/5/2017</a:t>
+              <a:t>12/7/2017</a:t>
             </a:fld>
             <a:endParaRPr lang="en-US" dirty="0"/>
           </a:p>
@@ -8973,7 +8982,7 @@
           <a:noFill/>
           <a:extLst>
             <a:ext uri="{909E8E84-426E-40dd-AFC4-6F175D3DCCD1}">
-              <a14:hiddenFill xmlns:a14="http://schemas.microsoft.com/office/drawing/2010/main" xmlns="">
+              <a14:hiddenFill xmlns="" xmlns:a14="http://schemas.microsoft.com/office/drawing/2010/main">
                 <a:solidFill>
                   <a:srgbClr val="FFFFFF"/>
                 </a:solidFill>
@@ -9047,7 +9056,7 @@
               </a:ln>
               <a:extLst>
                 <a:ext uri="{91240B29-F687-4f45-9708-019B960494DF}">
-                  <a14:hiddenLine xmlns:a14="http://schemas.microsoft.com/office/drawing/2010/main" xmlns="" w="9525">
+                  <a14:hiddenLine xmlns="" xmlns:a14="http://schemas.microsoft.com/office/drawing/2010/main" w="9525">
                     <a:solidFill>
                       <a:srgbClr val="000000"/>
                     </a:solidFill>
@@ -9137,7 +9146,7 @@
               </a:ln>
               <a:extLst>
                 <a:ext uri="{91240B29-F687-4f45-9708-019B960494DF}">
-                  <a14:hiddenLine xmlns:a14="http://schemas.microsoft.com/office/drawing/2010/main" xmlns="" w="9525">
+                  <a14:hiddenLine xmlns="" xmlns:a14="http://schemas.microsoft.com/office/drawing/2010/main" w="9525">
                     <a:solidFill>
                       <a:srgbClr val="000000"/>
                     </a:solidFill>
@@ -9227,7 +9236,7 @@
               </a:ln>
               <a:extLst>
                 <a:ext uri="{91240B29-F687-4f45-9708-019B960494DF}">
-                  <a14:hiddenLine xmlns:a14="http://schemas.microsoft.com/office/drawing/2010/main" xmlns="" w="9525">
+                  <a14:hiddenLine xmlns="" xmlns:a14="http://schemas.microsoft.com/office/drawing/2010/main" w="9525">
                     <a:solidFill>
                       <a:srgbClr val="000000"/>
                     </a:solidFill>
@@ -9289,7 +9298,7 @@
               </a:ln>
               <a:extLst>
                 <a:ext uri="{91240B29-F687-4f45-9708-019B960494DF}">
-                  <a14:hiddenLine xmlns:a14="http://schemas.microsoft.com/office/drawing/2010/main" xmlns="" w="9525">
+                  <a14:hiddenLine xmlns="" xmlns:a14="http://schemas.microsoft.com/office/drawing/2010/main" w="9525">
                     <a:solidFill>
                       <a:srgbClr val="000000"/>
                     </a:solidFill>
@@ -9379,7 +9388,7 @@
               </a:ln>
               <a:extLst>
                 <a:ext uri="{91240B29-F687-4f45-9708-019B960494DF}">
-                  <a14:hiddenLine xmlns:a14="http://schemas.microsoft.com/office/drawing/2010/main" xmlns="" w="9525">
+                  <a14:hiddenLine xmlns="" xmlns:a14="http://schemas.microsoft.com/office/drawing/2010/main" w="9525">
                     <a:solidFill>
                       <a:srgbClr val="000000"/>
                     </a:solidFill>
@@ -9441,7 +9450,7 @@
               </a:ln>
               <a:extLst>
                 <a:ext uri="{91240B29-F687-4f45-9708-019B960494DF}">
-                  <a14:hiddenLine xmlns:a14="http://schemas.microsoft.com/office/drawing/2010/main" xmlns="" w="9525">
+                  <a14:hiddenLine xmlns="" xmlns:a14="http://schemas.microsoft.com/office/drawing/2010/main" w="9525">
                     <a:solidFill>
                       <a:srgbClr val="000000"/>
                     </a:solidFill>
@@ -9503,7 +9512,7 @@
               </a:ln>
               <a:extLst>
                 <a:ext uri="{91240B29-F687-4f45-9708-019B960494DF}">
-                  <a14:hiddenLine xmlns:a14="http://schemas.microsoft.com/office/drawing/2010/main" xmlns="" w="9525">
+                  <a14:hiddenLine xmlns="" xmlns:a14="http://schemas.microsoft.com/office/drawing/2010/main" w="9525">
                     <a:solidFill>
                       <a:srgbClr val="000000"/>
                     </a:solidFill>
@@ -9593,7 +9602,7 @@
               </a:ln>
               <a:extLst>
                 <a:ext uri="{91240B29-F687-4f45-9708-019B960494DF}">
-                  <a14:hiddenLine xmlns:a14="http://schemas.microsoft.com/office/drawing/2010/main" xmlns="" w="9525">
+                  <a14:hiddenLine xmlns="" xmlns:a14="http://schemas.microsoft.com/office/drawing/2010/main" w="9525">
                     <a:solidFill>
                       <a:srgbClr val="000000"/>
                     </a:solidFill>
@@ -9683,7 +9692,7 @@
               </a:ln>
               <a:extLst>
                 <a:ext uri="{91240B29-F687-4f45-9708-019B960494DF}">
-                  <a14:hiddenLine xmlns:a14="http://schemas.microsoft.com/office/drawing/2010/main" xmlns="" w="9525">
+                  <a14:hiddenLine xmlns="" xmlns:a14="http://schemas.microsoft.com/office/drawing/2010/main" w="9525">
                     <a:solidFill>
                       <a:srgbClr val="000000"/>
                     </a:solidFill>
@@ -9745,7 +9754,7 @@
               </a:ln>
               <a:extLst>
                 <a:ext uri="{91240B29-F687-4f45-9708-019B960494DF}">
-                  <a14:hiddenLine xmlns:a14="http://schemas.microsoft.com/office/drawing/2010/main" xmlns="" w="9525">
+                  <a14:hiddenLine xmlns="" xmlns:a14="http://schemas.microsoft.com/office/drawing/2010/main" w="9525">
                     <a:solidFill>
                       <a:srgbClr val="000000"/>
                     </a:solidFill>
@@ -9855,7 +9864,7 @@
               </a:ln>
               <a:extLst>
                 <a:ext uri="{91240B29-F687-4f45-9708-019B960494DF}">
-                  <a14:hiddenLine xmlns:a14="http://schemas.microsoft.com/office/drawing/2010/main" xmlns="" w="9525">
+                  <a14:hiddenLine xmlns="" xmlns:a14="http://schemas.microsoft.com/office/drawing/2010/main" w="9525">
                     <a:solidFill>
                       <a:srgbClr val="000000"/>
                     </a:solidFill>
@@ -9939,7 +9948,7 @@
               </a:ln>
               <a:extLst>
                 <a:ext uri="{91240B29-F687-4f45-9708-019B960494DF}">
-                  <a14:hiddenLine xmlns:a14="http://schemas.microsoft.com/office/drawing/2010/main" xmlns="" w="9525">
+                  <a14:hiddenLine xmlns="" xmlns:a14="http://schemas.microsoft.com/office/drawing/2010/main" w="9525">
                     <a:solidFill>
                       <a:srgbClr val="000000"/>
                     </a:solidFill>
@@ -10001,7 +10010,7 @@
               </a:ln>
               <a:extLst>
                 <a:ext uri="{91240B29-F687-4f45-9708-019B960494DF}">
-                  <a14:hiddenLine xmlns:a14="http://schemas.microsoft.com/office/drawing/2010/main" xmlns="" w="9525">
+                  <a14:hiddenLine xmlns="" xmlns:a14="http://schemas.microsoft.com/office/drawing/2010/main" w="9525">
                     <a:solidFill>
                       <a:srgbClr val="000000"/>
                     </a:solidFill>
@@ -10063,7 +10072,7 @@
               </a:ln>
               <a:extLst>
                 <a:ext uri="{91240B29-F687-4f45-9708-019B960494DF}">
-                  <a14:hiddenLine xmlns:a14="http://schemas.microsoft.com/office/drawing/2010/main" xmlns="" w="9525">
+                  <a14:hiddenLine xmlns="" xmlns:a14="http://schemas.microsoft.com/office/drawing/2010/main" w="9525">
                     <a:solidFill>
                       <a:srgbClr val="000000"/>
                     </a:solidFill>
@@ -10153,7 +10162,7 @@
               </a:ln>
               <a:extLst>
                 <a:ext uri="{91240B29-F687-4f45-9708-019B960494DF}">
-                  <a14:hiddenLine xmlns:a14="http://schemas.microsoft.com/office/drawing/2010/main" xmlns="" w="9525">
+                  <a14:hiddenLine xmlns="" xmlns:a14="http://schemas.microsoft.com/office/drawing/2010/main" w="9525">
                     <a:solidFill>
                       <a:srgbClr val="000000"/>
                     </a:solidFill>
@@ -10187,7 +10196,7 @@
               </a:ln>
               <a:extLst>
                 <a:ext uri="{91240B29-F687-4f45-9708-019B960494DF}">
-                  <a14:hiddenLine xmlns:a14="http://schemas.microsoft.com/office/drawing/2010/main" xmlns="" w="9525">
+                  <a14:hiddenLine xmlns="" xmlns:a14="http://schemas.microsoft.com/office/drawing/2010/main" w="9525">
                     <a:solidFill>
                       <a:srgbClr val="000000"/>
                     </a:solidFill>
@@ -10252,7 +10261,7 @@
               </a:ln>
               <a:extLst>
                 <a:ext uri="{91240B29-F687-4f45-9708-019B960494DF}">
-                  <a14:hiddenLine xmlns:a14="http://schemas.microsoft.com/office/drawing/2010/main" xmlns="" w="9525">
+                  <a14:hiddenLine xmlns="" xmlns:a14="http://schemas.microsoft.com/office/drawing/2010/main" w="9525">
                     <a:solidFill>
                       <a:srgbClr val="000000"/>
                     </a:solidFill>
@@ -10342,7 +10351,7 @@
               </a:ln>
               <a:extLst>
                 <a:ext uri="{91240B29-F687-4f45-9708-019B960494DF}">
-                  <a14:hiddenLine xmlns:a14="http://schemas.microsoft.com/office/drawing/2010/main" xmlns="" w="9525">
+                  <a14:hiddenLine xmlns="" xmlns:a14="http://schemas.microsoft.com/office/drawing/2010/main" w="9525">
                     <a:solidFill>
                       <a:srgbClr val="000000"/>
                     </a:solidFill>
@@ -10404,7 +10413,7 @@
               </a:ln>
               <a:extLst>
                 <a:ext uri="{91240B29-F687-4f45-9708-019B960494DF}">
-                  <a14:hiddenLine xmlns:a14="http://schemas.microsoft.com/office/drawing/2010/main" xmlns="" w="9525">
+                  <a14:hiddenLine xmlns="" xmlns:a14="http://schemas.microsoft.com/office/drawing/2010/main" w="9525">
                     <a:solidFill>
                       <a:srgbClr val="000000"/>
                     </a:solidFill>
@@ -10494,7 +10503,7 @@
               </a:ln>
               <a:extLst>
                 <a:ext uri="{91240B29-F687-4f45-9708-019B960494DF}">
-                  <a14:hiddenLine xmlns:a14="http://schemas.microsoft.com/office/drawing/2010/main" xmlns="" w="9525">
+                  <a14:hiddenLine xmlns="" xmlns:a14="http://schemas.microsoft.com/office/drawing/2010/main" w="9525">
                     <a:solidFill>
                       <a:srgbClr val="000000"/>
                     </a:solidFill>
@@ -10559,7 +10568,7 @@
               </a:ln>
               <a:extLst>
                 <a:ext uri="{91240B29-F687-4f45-9708-019B960494DF}">
-                  <a14:hiddenLine xmlns:a14="http://schemas.microsoft.com/office/drawing/2010/main" xmlns="" w="9525">
+                  <a14:hiddenLine xmlns="" xmlns:a14="http://schemas.microsoft.com/office/drawing/2010/main" w="9525">
                     <a:solidFill>
                       <a:srgbClr val="000000"/>
                     </a:solidFill>
@@ -10621,7 +10630,7 @@
               </a:ln>
               <a:extLst>
                 <a:ext uri="{91240B29-F687-4f45-9708-019B960494DF}">
-                  <a14:hiddenLine xmlns:a14="http://schemas.microsoft.com/office/drawing/2010/main" xmlns="" w="9525">
+                  <a14:hiddenLine xmlns="" xmlns:a14="http://schemas.microsoft.com/office/drawing/2010/main" w="9525">
                     <a:solidFill>
                       <a:srgbClr val="000000"/>
                     </a:solidFill>
@@ -10711,7 +10720,7 @@
               </a:ln>
               <a:extLst>
                 <a:ext uri="{91240B29-F687-4f45-9708-019B960494DF}">
-                  <a14:hiddenLine xmlns:a14="http://schemas.microsoft.com/office/drawing/2010/main" xmlns="" w="9525">
+                  <a14:hiddenLine xmlns="" xmlns:a14="http://schemas.microsoft.com/office/drawing/2010/main" w="9525">
                     <a:solidFill>
                       <a:srgbClr val="000000"/>
                     </a:solidFill>
@@ -10801,7 +10810,7 @@
               </a:ln>
               <a:extLst>
                 <a:ext uri="{91240B29-F687-4f45-9708-019B960494DF}">
-                  <a14:hiddenLine xmlns:a14="http://schemas.microsoft.com/office/drawing/2010/main" xmlns="" w="9525">
+                  <a14:hiddenLine xmlns="" xmlns:a14="http://schemas.microsoft.com/office/drawing/2010/main" w="9525">
                     <a:solidFill>
                       <a:srgbClr val="000000"/>
                     </a:solidFill>
@@ -10866,7 +10875,7 @@
               </a:ln>
               <a:extLst>
                 <a:ext uri="{91240B29-F687-4f45-9708-019B960494DF}">
-                  <a14:hiddenLine xmlns:a14="http://schemas.microsoft.com/office/drawing/2010/main" xmlns="" w="9525">
+                  <a14:hiddenLine xmlns="" xmlns:a14="http://schemas.microsoft.com/office/drawing/2010/main" w="9525">
                     <a:solidFill>
                       <a:srgbClr val="000000"/>
                     </a:solidFill>
@@ -10986,7 +10995,7 @@
               </a:ln>
               <a:extLst>
                 <a:ext uri="{91240B29-F687-4f45-9708-019B960494DF}">
-                  <a14:hiddenLine xmlns:a14="http://schemas.microsoft.com/office/drawing/2010/main" xmlns="" w="9525">
+                  <a14:hiddenLine xmlns="" xmlns:a14="http://schemas.microsoft.com/office/drawing/2010/main" w="9525">
                     <a:solidFill>
                       <a:srgbClr val="000000"/>
                     </a:solidFill>
@@ -11084,7 +11093,7 @@
               </a:ln>
               <a:extLst>
                 <a:ext uri="{91240B29-F687-4f45-9708-019B960494DF}">
-                  <a14:hiddenLine xmlns:a14="http://schemas.microsoft.com/office/drawing/2010/main" xmlns="" w="9525">
+                  <a14:hiddenLine xmlns="" xmlns:a14="http://schemas.microsoft.com/office/drawing/2010/main" w="9525">
                     <a:solidFill>
                       <a:srgbClr val="000000"/>
                     </a:solidFill>
@@ -11199,7 +11208,7 @@
               </a:ln>
               <a:extLst>
                 <a:ext uri="{91240B29-F687-4f45-9708-019B960494DF}">
-                  <a14:hiddenLine xmlns:a14="http://schemas.microsoft.com/office/drawing/2010/main" xmlns="" w="9525">
+                  <a14:hiddenLine xmlns="" xmlns:a14="http://schemas.microsoft.com/office/drawing/2010/main" w="9525">
                     <a:solidFill>
                       <a:srgbClr val="000000"/>
                     </a:solidFill>
@@ -11289,7 +11298,7 @@
               </a:ln>
               <a:extLst>
                 <a:ext uri="{91240B29-F687-4f45-9708-019B960494DF}">
-                  <a14:hiddenLine xmlns:a14="http://schemas.microsoft.com/office/drawing/2010/main" xmlns="" w="9525">
+                  <a14:hiddenLine xmlns="" xmlns:a14="http://schemas.microsoft.com/office/drawing/2010/main" w="9525">
                     <a:solidFill>
                       <a:srgbClr val="000000"/>
                     </a:solidFill>
@@ -11354,7 +11363,7 @@
               </a:ln>
               <a:extLst>
                 <a:ext uri="{91240B29-F687-4f45-9708-019B960494DF}">
-                  <a14:hiddenLine xmlns:a14="http://schemas.microsoft.com/office/drawing/2010/main" xmlns="" w="9525">
+                  <a14:hiddenLine xmlns="" xmlns:a14="http://schemas.microsoft.com/office/drawing/2010/main" w="9525">
                     <a:solidFill>
                       <a:srgbClr val="000000"/>
                     </a:solidFill>
@@ -11444,7 +11453,7 @@
               </a:ln>
               <a:extLst>
                 <a:ext uri="{91240B29-F687-4f45-9708-019B960494DF}">
-                  <a14:hiddenLine xmlns:a14="http://schemas.microsoft.com/office/drawing/2010/main" xmlns="" w="9525">
+                  <a14:hiddenLine xmlns="" xmlns:a14="http://schemas.microsoft.com/office/drawing/2010/main" w="9525">
                     <a:solidFill>
                       <a:srgbClr val="000000"/>
                     </a:solidFill>
@@ -11512,7 +11521,7 @@
               </a:ln>
               <a:extLst>
                 <a:ext uri="{91240B29-F687-4f45-9708-019B960494DF}">
-                  <a14:hiddenLine xmlns:a14="http://schemas.microsoft.com/office/drawing/2010/main" xmlns="" w="9525">
+                  <a14:hiddenLine xmlns="" xmlns:a14="http://schemas.microsoft.com/office/drawing/2010/main" w="9525">
                     <a:solidFill>
                       <a:srgbClr val="000000"/>
                     </a:solidFill>
@@ -11602,7 +11611,7 @@
               </a:ln>
               <a:extLst>
                 <a:ext uri="{91240B29-F687-4f45-9708-019B960494DF}">
-                  <a14:hiddenLine xmlns:a14="http://schemas.microsoft.com/office/drawing/2010/main" xmlns="" w="9525">
+                  <a14:hiddenLine xmlns="" xmlns:a14="http://schemas.microsoft.com/office/drawing/2010/main" w="9525">
                     <a:solidFill>
                       <a:srgbClr val="000000"/>
                     </a:solidFill>
@@ -11670,7 +11679,7 @@
               </a:ln>
               <a:extLst>
                 <a:ext uri="{91240B29-F687-4f45-9708-019B960494DF}">
-                  <a14:hiddenLine xmlns:a14="http://schemas.microsoft.com/office/drawing/2010/main" xmlns="" w="9525">
+                  <a14:hiddenLine xmlns="" xmlns:a14="http://schemas.microsoft.com/office/drawing/2010/main" w="9525">
                     <a:solidFill>
                       <a:srgbClr val="000000"/>
                     </a:solidFill>
@@ -11760,7 +11769,7 @@
               </a:ln>
               <a:extLst>
                 <a:ext uri="{91240B29-F687-4f45-9708-019B960494DF}">
-                  <a14:hiddenLine xmlns:a14="http://schemas.microsoft.com/office/drawing/2010/main" xmlns="" w="9525">
+                  <a14:hiddenLine xmlns="" xmlns:a14="http://schemas.microsoft.com/office/drawing/2010/main" w="9525">
                     <a:solidFill>
                       <a:srgbClr val="000000"/>
                     </a:solidFill>
@@ -11794,7 +11803,7 @@
               </a:ln>
               <a:extLst>
                 <a:ext uri="{91240B29-F687-4f45-9708-019B960494DF}">
-                  <a14:hiddenLine xmlns:a14="http://schemas.microsoft.com/office/drawing/2010/main" xmlns="" w="9525">
+                  <a14:hiddenLine xmlns="" xmlns:a14="http://schemas.microsoft.com/office/drawing/2010/main" w="9525">
                     <a:solidFill>
                       <a:srgbClr val="000000"/>
                     </a:solidFill>
@@ -11935,7 +11944,7 @@
             <a:fld id="{48A87A34-81AB-432B-8DAE-1953F412C126}" type="datetimeFigureOut">
               <a:rPr lang="en-US" dirty="0"/>
               <a:pPr/>
-              <a:t>12/5/2017</a:t>
+              <a:t>12/7/2017</a:t>
             </a:fld>
             <a:endParaRPr lang="en-US" dirty="0"/>
           </a:p>
@@ -12402,8 +12411,8 @@
         </p:nvSpPr>
         <p:spPr>
           <a:xfrm>
-            <a:off x="1876424" y="3602038"/>
-            <a:ext cx="8791575" cy="2765206"/>
+            <a:off x="1876424" y="2936147"/>
+            <a:ext cx="8791575" cy="3431097"/>
           </a:xfrm>
         </p:spPr>
         <p:txBody>
@@ -12411,6 +12420,9 @@
             <a:normAutofit/>
           </a:bodyPr>
           <a:lstStyle/>
+          <a:p>
+            <a:endParaRPr lang="en-US" dirty="0"/>
+          </a:p>
           <a:p>
             <a:pPr marL="342900" indent="-342900">
               <a:buFont typeface="Arial" panose="020B0604020202020204" pitchFamily="34" charset="0"/>
@@ -12516,7 +12528,7 @@
           <a:p>
             <a:r>
               <a:rPr lang="en-US" dirty="0"/>
-              <a:t>Active record</a:t>
+              <a:t>Active record Pattern</a:t>
             </a:r>
           </a:p>
         </p:txBody>
@@ -12542,7 +12554,22 @@
           <a:bodyPr/>
           <a:lstStyle/>
           <a:p>
-            <a:endParaRPr lang="en-US" dirty="0"/>
+            <a:r>
+              <a:rPr lang="en-US" dirty="0"/>
+              <a:t>“An object that wraps a row in a database table or view, encapsulates the database access, and adds domain logic on that data.” – Martin Fowler</a:t>
+            </a:r>
+          </a:p>
+          <a:p>
+            <a:r>
+              <a:rPr lang="en-US" dirty="0"/>
+              <a:t>Helps create an interface between your data objects and the datastore. </a:t>
+            </a:r>
+          </a:p>
+          <a:p>
+            <a:r>
+              <a:rPr lang="en-US" dirty="0"/>
+              <a:t>An instance of an object would be represented on the Table as a single row</a:t>
+            </a:r>
           </a:p>
         </p:txBody>
       </p:sp>
@@ -12625,6 +12652,30 @@
           <a:bodyPr/>
           <a:lstStyle/>
           <a:p>
+            <a:r>
+              <a:rPr lang="en-US" dirty="0"/>
+              <a:t>Object Relational Mapping – Is the most common way to implement the Active Record Pattern. </a:t>
+            </a:r>
+          </a:p>
+          <a:p>
+            <a:r>
+              <a:rPr lang="en-US" dirty="0"/>
+              <a:t>Maps objects to database tables</a:t>
+            </a:r>
+          </a:p>
+          <a:p>
+            <a:r>
+              <a:rPr lang="en-US" dirty="0"/>
+              <a:t>Pulls scalar values off the table and converts it to an object</a:t>
+            </a:r>
+          </a:p>
+          <a:p>
+            <a:r>
+              <a:rPr lang="en-US" dirty="0"/>
+              <a:t>Converts objects into scalar values to be pushed to a database</a:t>
+            </a:r>
+          </a:p>
+          <a:p>
             <a:endParaRPr lang="en-US" dirty="0"/>
           </a:p>
         </p:txBody>
@@ -12708,7 +12759,30 @@
           <a:bodyPr/>
           <a:lstStyle/>
           <a:p>
-            <a:endParaRPr lang="en-US" dirty="0"/>
+            <a:r>
+              <a:rPr lang="en-US" dirty="0"/>
+              <a:t>Make it easier to step into a new project – the database will be represented by objects that are easier to understand than multiple tables</a:t>
+            </a:r>
+          </a:p>
+          <a:p>
+            <a:r>
+              <a:rPr lang="en-US" dirty="0"/>
+              <a:t>Once configured, simple and easy to use. Call save, update, and delete methods on objects. Instead of having to write </a:t>
+            </a:r>
+            <a:r>
+              <a:rPr lang="en-US" dirty="0" err="1"/>
+              <a:t>sql</a:t>
+            </a:r>
+            <a:r>
+              <a:rPr lang="en-US" dirty="0"/>
+              <a:t> functions for each new class you add to your program.</a:t>
+            </a:r>
+          </a:p>
+          <a:p>
+            <a:r>
+              <a:rPr lang="en-US" dirty="0"/>
+              <a:t>Preserves created objects on databases and can easy load them back into memory</a:t>
+            </a:r>
           </a:p>
         </p:txBody>
       </p:sp>
@@ -12791,7 +12865,22 @@
           <a:bodyPr/>
           <a:lstStyle/>
           <a:p>
-            <a:endParaRPr lang="en-US"/>
+            <a:r>
+              <a:rPr lang="en-US" dirty="0"/>
+              <a:t>Coupling – Objects coupled to the database in structure, not the use. </a:t>
+            </a:r>
+          </a:p>
+          <a:p>
+            <a:r>
+              <a:rPr lang="en-US" dirty="0"/>
+              <a:t>Testing – Testing becomes difficult because of the coupling, it’s hard to separate objects from the database and vice versa. </a:t>
+            </a:r>
+          </a:p>
+          <a:p>
+            <a:r>
+              <a:rPr lang="en-US" dirty="0"/>
+              <a:t>Performance – If there are multiple tables representing one object, the SQL queries can start to slow down.</a:t>
+            </a:r>
           </a:p>
         </p:txBody>
       </p:sp>
@@ -12878,7 +12967,28 @@
           <a:bodyPr/>
           <a:lstStyle/>
           <a:p>
-            <a:endParaRPr lang="en-US" dirty="0"/>
+            <a:r>
+              <a:rPr lang="en-US" dirty="0"/>
+              <a:t>Object-relational mapping tool for Java</a:t>
+            </a:r>
+          </a:p>
+          <a:p>
+            <a:r>
+              <a:rPr lang="en-US" dirty="0"/>
+              <a:t>Implements JPA (Java Persistence API)</a:t>
+            </a:r>
+          </a:p>
+          <a:p>
+            <a:r>
+              <a:rPr lang="en-US" dirty="0"/>
+              <a:t>Faster than JDBC (Java Database Connectivity) and easier to use. The developer doesn’t have to write code to map the objects to the database (needed to do in JDBC).</a:t>
+            </a:r>
+          </a:p>
+          <a:p>
+            <a:r>
+              <a:rPr lang="en-US" dirty="0"/>
+              <a:t>Provides it’s own Query Language and supports native SQL statements</a:t>
+            </a:r>
           </a:p>
         </p:txBody>
       </p:sp>
@@ -12961,7 +13071,27 @@
           <a:bodyPr/>
           <a:lstStyle/>
           <a:p>
-            <a:endParaRPr lang="en-US"/>
+            <a:r>
+              <a:rPr lang="en-US" dirty="0"/>
+              <a:t>Can be imported through maven</a:t>
+            </a:r>
+          </a:p>
+          <a:p>
+            <a:r>
+              <a:rPr lang="en-US" dirty="0"/>
+              <a:t>Maps an entity to a table. An entity would be Parts.java, that class would be mapped to a table. The object would be mapped to rows. </a:t>
+            </a:r>
+          </a:p>
+          <a:p>
+            <a:r>
+              <a:rPr lang="en-US" dirty="0"/>
+              <a:t>Uses annotations (@Entity, @Id, @Table, </a:t>
+            </a:r>
+            <a:r>
+              <a:rPr lang="en-US"/>
+              <a:t>@Column</a:t>
+            </a:r>
+            <a:endParaRPr lang="en-US" dirty="0"/>
           </a:p>
         </p:txBody>
       </p:sp>

--- a/active-record-pattern.pptx
+++ b/active-record-pattern.pptx
@@ -14,6 +14,7 @@
     <p:sldId id="264" r:id="rId8"/>
     <p:sldId id="260" r:id="rId9"/>
     <p:sldId id="261" r:id="rId10"/>
+    <p:sldId id="265" r:id="rId11"/>
   </p:sldIdLst>
   <p:sldSz cx="12192000" cy="6858000"/>
   <p:notesSz cx="6858000" cy="9144000"/>
@@ -174,7 +175,7 @@
           <a:noFill/>
           <a:extLst>
             <a:ext uri="{909E8E84-426E-40dd-AFC4-6F175D3DCCD1}">
-              <a14:hiddenFill xmlns="" xmlns:a14="http://schemas.microsoft.com/office/drawing/2010/main">
+              <a14:hiddenFill xmlns:a14="http://schemas.microsoft.com/office/drawing/2010/main" xmlns="">
                 <a:solidFill>
                   <a:srgbClr val="FFFFFF"/>
                 </a:solidFill>
@@ -234,7 +235,7 @@
             </a:ln>
             <a:extLst>
               <a:ext uri="{91240B29-F687-4f45-9708-019B960494DF}">
-                <a14:hiddenLine xmlns="" xmlns:a14="http://schemas.microsoft.com/office/drawing/2010/main" w="9525">
+                <a14:hiddenLine xmlns:a14="http://schemas.microsoft.com/office/drawing/2010/main" xmlns="" w="9525">
                   <a:solidFill>
                     <a:srgbClr val="000000"/>
                   </a:solidFill>
@@ -324,7 +325,7 @@
             </a:ln>
             <a:extLst>
               <a:ext uri="{91240B29-F687-4f45-9708-019B960494DF}">
-                <a14:hiddenLine xmlns="" xmlns:a14="http://schemas.microsoft.com/office/drawing/2010/main" w="9525">
+                <a14:hiddenLine xmlns:a14="http://schemas.microsoft.com/office/drawing/2010/main" xmlns="" w="9525">
                   <a:solidFill>
                     <a:srgbClr val="000000"/>
                   </a:solidFill>
@@ -414,7 +415,7 @@
             </a:ln>
             <a:extLst>
               <a:ext uri="{91240B29-F687-4f45-9708-019B960494DF}">
-                <a14:hiddenLine xmlns="" xmlns:a14="http://schemas.microsoft.com/office/drawing/2010/main" w="9525">
+                <a14:hiddenLine xmlns:a14="http://schemas.microsoft.com/office/drawing/2010/main" xmlns="" w="9525">
                   <a:solidFill>
                     <a:srgbClr val="000000"/>
                   </a:solidFill>
@@ -448,7 +449,7 @@
             </a:ln>
             <a:extLst>
               <a:ext uri="{91240B29-F687-4f45-9708-019B960494DF}">
-                <a14:hiddenLine xmlns="" xmlns:a14="http://schemas.microsoft.com/office/drawing/2010/main" w="9525">
+                <a14:hiddenLine xmlns:a14="http://schemas.microsoft.com/office/drawing/2010/main" xmlns="" w="9525">
                   <a:solidFill>
                     <a:srgbClr val="000000"/>
                   </a:solidFill>
@@ -538,7 +539,7 @@
             </a:ln>
             <a:extLst>
               <a:ext uri="{91240B29-F687-4f45-9708-019B960494DF}">
-                <a14:hiddenLine xmlns="" xmlns:a14="http://schemas.microsoft.com/office/drawing/2010/main" w="9525">
+                <a14:hiddenLine xmlns:a14="http://schemas.microsoft.com/office/drawing/2010/main" xmlns="" w="9525">
                   <a:solidFill>
                     <a:srgbClr val="000000"/>
                   </a:solidFill>
@@ -600,7 +601,7 @@
             </a:ln>
             <a:extLst>
               <a:ext uri="{91240B29-F687-4f45-9708-019B960494DF}">
-                <a14:hiddenLine xmlns="" xmlns:a14="http://schemas.microsoft.com/office/drawing/2010/main" w="9525">
+                <a14:hiddenLine xmlns:a14="http://schemas.microsoft.com/office/drawing/2010/main" xmlns="" w="9525">
                   <a:solidFill>
                     <a:srgbClr val="000000"/>
                   </a:solidFill>
@@ -662,7 +663,7 @@
             </a:ln>
             <a:extLst>
               <a:ext uri="{91240B29-F687-4f45-9708-019B960494DF}">
-                <a14:hiddenLine xmlns="" xmlns:a14="http://schemas.microsoft.com/office/drawing/2010/main" w="9525">
+                <a14:hiddenLine xmlns:a14="http://schemas.microsoft.com/office/drawing/2010/main" xmlns="" w="9525">
                   <a:solidFill>
                     <a:srgbClr val="000000"/>
                   </a:solidFill>
@@ -752,7 +753,7 @@
             </a:ln>
             <a:extLst>
               <a:ext uri="{91240B29-F687-4f45-9708-019B960494DF}">
-                <a14:hiddenLine xmlns="" xmlns:a14="http://schemas.microsoft.com/office/drawing/2010/main" w="9525">
+                <a14:hiddenLine xmlns:a14="http://schemas.microsoft.com/office/drawing/2010/main" xmlns="" w="9525">
                   <a:solidFill>
                     <a:srgbClr val="000000"/>
                   </a:solidFill>
@@ -814,7 +815,7 @@
             </a:ln>
             <a:extLst>
               <a:ext uri="{91240B29-F687-4f45-9708-019B960494DF}">
-                <a14:hiddenLine xmlns="" xmlns:a14="http://schemas.microsoft.com/office/drawing/2010/main" w="9525">
+                <a14:hiddenLine xmlns:a14="http://schemas.microsoft.com/office/drawing/2010/main" xmlns="" w="9525">
                   <a:solidFill>
                     <a:srgbClr val="000000"/>
                   </a:solidFill>
@@ -876,7 +877,7 @@
             </a:ln>
             <a:extLst>
               <a:ext uri="{91240B29-F687-4f45-9708-019B960494DF}">
-                <a14:hiddenLine xmlns="" xmlns:a14="http://schemas.microsoft.com/office/drawing/2010/main" w="9525">
+                <a14:hiddenLine xmlns:a14="http://schemas.microsoft.com/office/drawing/2010/main" xmlns="" w="9525">
                   <a:solidFill>
                     <a:srgbClr val="000000"/>
                   </a:solidFill>
@@ -966,7 +967,7 @@
             </a:ln>
             <a:extLst>
               <a:ext uri="{91240B29-F687-4f45-9708-019B960494DF}">
-                <a14:hiddenLine xmlns="" xmlns:a14="http://schemas.microsoft.com/office/drawing/2010/main" w="9525">
+                <a14:hiddenLine xmlns:a14="http://schemas.microsoft.com/office/drawing/2010/main" xmlns="" w="9525">
                   <a:solidFill>
                     <a:srgbClr val="000000"/>
                   </a:solidFill>
@@ -1056,7 +1057,7 @@
             </a:ln>
             <a:extLst>
               <a:ext uri="{91240B29-F687-4f45-9708-019B960494DF}">
-                <a14:hiddenLine xmlns="" xmlns:a14="http://schemas.microsoft.com/office/drawing/2010/main" w="9525">
+                <a14:hiddenLine xmlns:a14="http://schemas.microsoft.com/office/drawing/2010/main" xmlns="" w="9525">
                   <a:solidFill>
                     <a:srgbClr val="000000"/>
                   </a:solidFill>
@@ -1118,7 +1119,7 @@
             </a:ln>
             <a:extLst>
               <a:ext uri="{91240B29-F687-4f45-9708-019B960494DF}">
-                <a14:hiddenLine xmlns="" xmlns:a14="http://schemas.microsoft.com/office/drawing/2010/main" w="9525">
+                <a14:hiddenLine xmlns:a14="http://schemas.microsoft.com/office/drawing/2010/main" xmlns="" w="9525">
                   <a:solidFill>
                     <a:srgbClr val="000000"/>
                   </a:solidFill>
@@ -1228,7 +1229,7 @@
             </a:ln>
             <a:extLst>
               <a:ext uri="{91240B29-F687-4f45-9708-019B960494DF}">
-                <a14:hiddenLine xmlns="" xmlns:a14="http://schemas.microsoft.com/office/drawing/2010/main" w="9525">
+                <a14:hiddenLine xmlns:a14="http://schemas.microsoft.com/office/drawing/2010/main" xmlns="" w="9525">
                   <a:solidFill>
                     <a:srgbClr val="000000"/>
                   </a:solidFill>
@@ -1290,7 +1291,7 @@
             </a:ln>
             <a:extLst>
               <a:ext uri="{91240B29-F687-4f45-9708-019B960494DF}">
-                <a14:hiddenLine xmlns="" xmlns:a14="http://schemas.microsoft.com/office/drawing/2010/main" w="9525">
+                <a14:hiddenLine xmlns:a14="http://schemas.microsoft.com/office/drawing/2010/main" xmlns="" w="9525">
                   <a:solidFill>
                     <a:srgbClr val="000000"/>
                   </a:solidFill>
@@ -1380,7 +1381,7 @@
             </a:ln>
             <a:extLst>
               <a:ext uri="{91240B29-F687-4f45-9708-019B960494DF}">
-                <a14:hiddenLine xmlns="" xmlns:a14="http://schemas.microsoft.com/office/drawing/2010/main" w="9525">
+                <a14:hiddenLine xmlns:a14="http://schemas.microsoft.com/office/drawing/2010/main" xmlns="" w="9525">
                   <a:solidFill>
                     <a:srgbClr val="000000"/>
                   </a:solidFill>
@@ -1470,7 +1471,7 @@
             </a:ln>
             <a:extLst>
               <a:ext uri="{91240B29-F687-4f45-9708-019B960494DF}">
-                <a14:hiddenLine xmlns="" xmlns:a14="http://schemas.microsoft.com/office/drawing/2010/main" w="9525">
+                <a14:hiddenLine xmlns:a14="http://schemas.microsoft.com/office/drawing/2010/main" xmlns="" w="9525">
                   <a:solidFill>
                     <a:srgbClr val="000000"/>
                   </a:solidFill>
@@ -1532,7 +1533,7 @@
             </a:ln>
             <a:extLst>
               <a:ext uri="{91240B29-F687-4f45-9708-019B960494DF}">
-                <a14:hiddenLine xmlns="" xmlns:a14="http://schemas.microsoft.com/office/drawing/2010/main" w="9525">
+                <a14:hiddenLine xmlns:a14="http://schemas.microsoft.com/office/drawing/2010/main" xmlns="" w="9525">
                   <a:solidFill>
                     <a:srgbClr val="000000"/>
                   </a:solidFill>
@@ -1622,7 +1623,7 @@
             </a:ln>
             <a:extLst>
               <a:ext uri="{91240B29-F687-4f45-9708-019B960494DF}">
-                <a14:hiddenLine xmlns="" xmlns:a14="http://schemas.microsoft.com/office/drawing/2010/main" w="9525">
+                <a14:hiddenLine xmlns:a14="http://schemas.microsoft.com/office/drawing/2010/main" xmlns="" w="9525">
                   <a:solidFill>
                     <a:srgbClr val="000000"/>
                   </a:solidFill>
@@ -1712,7 +1713,7 @@
             </a:ln>
             <a:extLst>
               <a:ext uri="{91240B29-F687-4f45-9708-019B960494DF}">
-                <a14:hiddenLine xmlns="" xmlns:a14="http://schemas.microsoft.com/office/drawing/2010/main" w="9525">
+                <a14:hiddenLine xmlns:a14="http://schemas.microsoft.com/office/drawing/2010/main" xmlns="" w="9525">
                   <a:solidFill>
                     <a:srgbClr val="000000"/>
                   </a:solidFill>
@@ -1768,7 +1769,7 @@
             </a:ln>
             <a:extLst>
               <a:ext uri="{91240B29-F687-4f45-9708-019B960494DF}">
-                <a14:hiddenLine xmlns="" xmlns:a14="http://schemas.microsoft.com/office/drawing/2010/main" w="9525">
+                <a14:hiddenLine xmlns:a14="http://schemas.microsoft.com/office/drawing/2010/main" xmlns="" w="9525">
                   <a:solidFill>
                     <a:srgbClr val="000000"/>
                   </a:solidFill>
@@ -1858,7 +1859,7 @@
             </a:ln>
             <a:extLst>
               <a:ext uri="{91240B29-F687-4f45-9708-019B960494DF}">
-                <a14:hiddenLine xmlns="" xmlns:a14="http://schemas.microsoft.com/office/drawing/2010/main" w="9525">
+                <a14:hiddenLine xmlns:a14="http://schemas.microsoft.com/office/drawing/2010/main" xmlns="" w="9525">
                   <a:solidFill>
                     <a:srgbClr val="000000"/>
                   </a:solidFill>
@@ -1914,7 +1915,7 @@
             </a:ln>
             <a:extLst>
               <a:ext uri="{91240B29-F687-4f45-9708-019B960494DF}">
-                <a14:hiddenLine xmlns="" xmlns:a14="http://schemas.microsoft.com/office/drawing/2010/main" w="9525">
+                <a14:hiddenLine xmlns:a14="http://schemas.microsoft.com/office/drawing/2010/main" xmlns="" w="9525">
                   <a:solidFill>
                     <a:srgbClr val="000000"/>
                   </a:solidFill>
@@ -2004,7 +2005,7 @@
             </a:ln>
             <a:extLst>
               <a:ext uri="{91240B29-F687-4f45-9708-019B960494DF}">
-                <a14:hiddenLine xmlns="" xmlns:a14="http://schemas.microsoft.com/office/drawing/2010/main" w="9525">
+                <a14:hiddenLine xmlns:a14="http://schemas.microsoft.com/office/drawing/2010/main" xmlns="" w="9525">
                   <a:solidFill>
                     <a:srgbClr val="000000"/>
                   </a:solidFill>
@@ -2072,7 +2073,7 @@
             </a:ln>
             <a:extLst>
               <a:ext uri="{91240B29-F687-4f45-9708-019B960494DF}">
-                <a14:hiddenLine xmlns="" xmlns:a14="http://schemas.microsoft.com/office/drawing/2010/main" w="9525">
+                <a14:hiddenLine xmlns:a14="http://schemas.microsoft.com/office/drawing/2010/main" xmlns="" w="9525">
                   <a:solidFill>
                     <a:srgbClr val="000000"/>
                   </a:solidFill>
@@ -2162,7 +2163,7 @@
             </a:ln>
             <a:extLst>
               <a:ext uri="{91240B29-F687-4f45-9708-019B960494DF}">
-                <a14:hiddenLine xmlns="" xmlns:a14="http://schemas.microsoft.com/office/drawing/2010/main" w="9525">
+                <a14:hiddenLine xmlns:a14="http://schemas.microsoft.com/office/drawing/2010/main" xmlns="" w="9525">
                   <a:solidFill>
                     <a:srgbClr val="000000"/>
                   </a:solidFill>
@@ -2230,7 +2231,7 @@
             </a:ln>
             <a:extLst>
               <a:ext uri="{91240B29-F687-4f45-9708-019B960494DF}">
-                <a14:hiddenLine xmlns="" xmlns:a14="http://schemas.microsoft.com/office/drawing/2010/main" w="9525">
+                <a14:hiddenLine xmlns:a14="http://schemas.microsoft.com/office/drawing/2010/main" xmlns="" w="9525">
                   <a:solidFill>
                     <a:srgbClr val="000000"/>
                   </a:solidFill>
@@ -2320,7 +2321,7 @@
             </a:ln>
             <a:extLst>
               <a:ext uri="{91240B29-F687-4f45-9708-019B960494DF}">
-                <a14:hiddenLine xmlns="" xmlns:a14="http://schemas.microsoft.com/office/drawing/2010/main" w="9525">
+                <a14:hiddenLine xmlns:a14="http://schemas.microsoft.com/office/drawing/2010/main" xmlns="" w="9525">
                   <a:solidFill>
                     <a:srgbClr val="000000"/>
                   </a:solidFill>
@@ -2354,7 +2355,7 @@
             </a:ln>
             <a:extLst>
               <a:ext uri="{91240B29-F687-4f45-9708-019B960494DF}">
-                <a14:hiddenLine xmlns="" xmlns:a14="http://schemas.microsoft.com/office/drawing/2010/main" w="9525">
+                <a14:hiddenLine xmlns:a14="http://schemas.microsoft.com/office/drawing/2010/main" xmlns="" w="9525">
                   <a:solidFill>
                     <a:srgbClr val="000000"/>
                   </a:solidFill>
@@ -2444,7 +2445,7 @@
             </a:ln>
             <a:extLst>
               <a:ext uri="{91240B29-F687-4f45-9708-019B960494DF}">
-                <a14:hiddenLine xmlns="" xmlns:a14="http://schemas.microsoft.com/office/drawing/2010/main" w="9525">
+                <a14:hiddenLine xmlns:a14="http://schemas.microsoft.com/office/drawing/2010/main" xmlns="" w="9525">
                   <a:solidFill>
                     <a:srgbClr val="000000"/>
                   </a:solidFill>
@@ -2506,7 +2507,7 @@
             </a:ln>
             <a:extLst>
               <a:ext uri="{91240B29-F687-4f45-9708-019B960494DF}">
-                <a14:hiddenLine xmlns="" xmlns:a14="http://schemas.microsoft.com/office/drawing/2010/main" w="9525">
+                <a14:hiddenLine xmlns:a14="http://schemas.microsoft.com/office/drawing/2010/main" xmlns="" w="9525">
                   <a:solidFill>
                     <a:srgbClr val="000000"/>
                   </a:solidFill>
@@ -2568,7 +2569,7 @@
             </a:ln>
             <a:extLst>
               <a:ext uri="{91240B29-F687-4f45-9708-019B960494DF}">
-                <a14:hiddenLine xmlns="" xmlns:a14="http://schemas.microsoft.com/office/drawing/2010/main" w="9525">
+                <a14:hiddenLine xmlns:a14="http://schemas.microsoft.com/office/drawing/2010/main" xmlns="" w="9525">
                   <a:solidFill>
                     <a:srgbClr val="000000"/>
                   </a:solidFill>
@@ -2658,7 +2659,7 @@
             </a:ln>
             <a:extLst>
               <a:ext uri="{91240B29-F687-4f45-9708-019B960494DF}">
-                <a14:hiddenLine xmlns="" xmlns:a14="http://schemas.microsoft.com/office/drawing/2010/main" w="9525">
+                <a14:hiddenLine xmlns:a14="http://schemas.microsoft.com/office/drawing/2010/main" xmlns="" w="9525">
                   <a:solidFill>
                     <a:srgbClr val="000000"/>
                   </a:solidFill>
@@ -2726,7 +2727,7 @@
             </a:ln>
             <a:extLst>
               <a:ext uri="{91240B29-F687-4f45-9708-019B960494DF}">
-                <a14:hiddenLine xmlns="" xmlns:a14="http://schemas.microsoft.com/office/drawing/2010/main" w="9525">
+                <a14:hiddenLine xmlns:a14="http://schemas.microsoft.com/office/drawing/2010/main" xmlns="" w="9525">
                   <a:solidFill>
                     <a:srgbClr val="000000"/>
                   </a:solidFill>
@@ -2788,7 +2789,7 @@
             </a:ln>
             <a:extLst>
               <a:ext uri="{91240B29-F687-4f45-9708-019B960494DF}">
-                <a14:hiddenLine xmlns="" xmlns:a14="http://schemas.microsoft.com/office/drawing/2010/main" w="9525">
+                <a14:hiddenLine xmlns:a14="http://schemas.microsoft.com/office/drawing/2010/main" xmlns="" w="9525">
                   <a:solidFill>
                     <a:srgbClr val="000000"/>
                   </a:solidFill>
@@ -2878,7 +2879,7 @@
             </a:ln>
             <a:extLst>
               <a:ext uri="{91240B29-F687-4f45-9708-019B960494DF}">
-                <a14:hiddenLine xmlns="" xmlns:a14="http://schemas.microsoft.com/office/drawing/2010/main" w="9525">
+                <a14:hiddenLine xmlns:a14="http://schemas.microsoft.com/office/drawing/2010/main" xmlns="" w="9525">
                   <a:solidFill>
                     <a:srgbClr val="000000"/>
                   </a:solidFill>
@@ -2940,7 +2941,7 @@
             </a:ln>
             <a:extLst>
               <a:ext uri="{91240B29-F687-4f45-9708-019B960494DF}">
-                <a14:hiddenLine xmlns="" xmlns:a14="http://schemas.microsoft.com/office/drawing/2010/main" w="9525">
+                <a14:hiddenLine xmlns:a14="http://schemas.microsoft.com/office/drawing/2010/main" xmlns="" w="9525">
                   <a:solidFill>
                     <a:srgbClr val="000000"/>
                   </a:solidFill>
@@ -3030,7 +3031,7 @@
             </a:ln>
             <a:extLst>
               <a:ext uri="{91240B29-F687-4f45-9708-019B960494DF}">
-                <a14:hiddenLine xmlns="" xmlns:a14="http://schemas.microsoft.com/office/drawing/2010/main" w="9525">
+                <a14:hiddenLine xmlns:a14="http://schemas.microsoft.com/office/drawing/2010/main" xmlns="" w="9525">
                   <a:solidFill>
                     <a:srgbClr val="000000"/>
                   </a:solidFill>
@@ -3092,7 +3093,7 @@
             </a:ln>
             <a:extLst>
               <a:ext uri="{91240B29-F687-4f45-9708-019B960494DF}">
-                <a14:hiddenLine xmlns="" xmlns:a14="http://schemas.microsoft.com/office/drawing/2010/main" w="9525">
+                <a14:hiddenLine xmlns:a14="http://schemas.microsoft.com/office/drawing/2010/main" xmlns="" w="9525">
                   <a:solidFill>
                     <a:srgbClr val="000000"/>
                   </a:solidFill>
@@ -3182,7 +3183,7 @@
             </a:ln>
             <a:extLst>
               <a:ext uri="{91240B29-F687-4f45-9708-019B960494DF}">
-                <a14:hiddenLine xmlns="" xmlns:a14="http://schemas.microsoft.com/office/drawing/2010/main" w="9525">
+                <a14:hiddenLine xmlns:a14="http://schemas.microsoft.com/office/drawing/2010/main" xmlns="" w="9525">
                   <a:solidFill>
                     <a:srgbClr val="000000"/>
                   </a:solidFill>
@@ -3216,7 +3217,7 @@
             </a:ln>
             <a:extLst>
               <a:ext uri="{91240B29-F687-4f45-9708-019B960494DF}">
-                <a14:hiddenLine xmlns="" xmlns:a14="http://schemas.microsoft.com/office/drawing/2010/main" w="9525">
+                <a14:hiddenLine xmlns:a14="http://schemas.microsoft.com/office/drawing/2010/main" xmlns="" w="9525">
                   <a:solidFill>
                     <a:srgbClr val="000000"/>
                   </a:solidFill>
@@ -3281,7 +3282,7 @@
             </a:ln>
             <a:extLst>
               <a:ext uri="{91240B29-F687-4f45-9708-019B960494DF}">
-                <a14:hiddenLine xmlns="" xmlns:a14="http://schemas.microsoft.com/office/drawing/2010/main" w="9525">
+                <a14:hiddenLine xmlns:a14="http://schemas.microsoft.com/office/drawing/2010/main" xmlns="" w="9525">
                   <a:solidFill>
                     <a:srgbClr val="000000"/>
                   </a:solidFill>
@@ -3371,7 +3372,7 @@
             </a:ln>
             <a:extLst>
               <a:ext uri="{91240B29-F687-4f45-9708-019B960494DF}">
-                <a14:hiddenLine xmlns="" xmlns:a14="http://schemas.microsoft.com/office/drawing/2010/main" w="9525">
+                <a14:hiddenLine xmlns:a14="http://schemas.microsoft.com/office/drawing/2010/main" xmlns="" w="9525">
                   <a:solidFill>
                     <a:srgbClr val="000000"/>
                   </a:solidFill>
@@ -3433,7 +3434,7 @@
             </a:ln>
             <a:extLst>
               <a:ext uri="{91240B29-F687-4f45-9708-019B960494DF}">
-                <a14:hiddenLine xmlns="" xmlns:a14="http://schemas.microsoft.com/office/drawing/2010/main" w="9525">
+                <a14:hiddenLine xmlns:a14="http://schemas.microsoft.com/office/drawing/2010/main" xmlns="" w="9525">
                   <a:solidFill>
                     <a:srgbClr val="000000"/>
                   </a:solidFill>
@@ -3523,7 +3524,7 @@
             </a:ln>
             <a:extLst>
               <a:ext uri="{91240B29-F687-4f45-9708-019B960494DF}">
-                <a14:hiddenLine xmlns="" xmlns:a14="http://schemas.microsoft.com/office/drawing/2010/main" w="9525">
+                <a14:hiddenLine xmlns:a14="http://schemas.microsoft.com/office/drawing/2010/main" xmlns="" w="9525">
                   <a:solidFill>
                     <a:srgbClr val="000000"/>
                   </a:solidFill>
@@ -3613,7 +3614,7 @@
             </a:ln>
             <a:extLst>
               <a:ext uri="{91240B29-F687-4f45-9708-019B960494DF}">
-                <a14:hiddenLine xmlns="" xmlns:a14="http://schemas.microsoft.com/office/drawing/2010/main" w="9525">
+                <a14:hiddenLine xmlns:a14="http://schemas.microsoft.com/office/drawing/2010/main" xmlns="" w="9525">
                   <a:solidFill>
                     <a:srgbClr val="000000"/>
                   </a:solidFill>
@@ -3678,7 +3679,7 @@
             </a:ln>
             <a:extLst>
               <a:ext uri="{91240B29-F687-4f45-9708-019B960494DF}">
-                <a14:hiddenLine xmlns="" xmlns:a14="http://schemas.microsoft.com/office/drawing/2010/main" w="9525">
+                <a14:hiddenLine xmlns:a14="http://schemas.microsoft.com/office/drawing/2010/main" xmlns="" w="9525">
                   <a:solidFill>
                     <a:srgbClr val="000000"/>
                   </a:solidFill>
@@ -3740,7 +3741,7 @@
             </a:ln>
             <a:extLst>
               <a:ext uri="{91240B29-F687-4f45-9708-019B960494DF}">
-                <a14:hiddenLine xmlns="" xmlns:a14="http://schemas.microsoft.com/office/drawing/2010/main" w="9525">
+                <a14:hiddenLine xmlns:a14="http://schemas.microsoft.com/office/drawing/2010/main" xmlns="" w="9525">
                   <a:solidFill>
                     <a:srgbClr val="000000"/>
                   </a:solidFill>
@@ -3830,7 +3831,7 @@
             </a:ln>
             <a:extLst>
               <a:ext uri="{91240B29-F687-4f45-9708-019B960494DF}">
-                <a14:hiddenLine xmlns="" xmlns:a14="http://schemas.microsoft.com/office/drawing/2010/main" w="9525">
+                <a14:hiddenLine xmlns:a14="http://schemas.microsoft.com/office/drawing/2010/main" xmlns="" w="9525">
                   <a:solidFill>
                     <a:srgbClr val="000000"/>
                   </a:solidFill>
@@ -3920,7 +3921,7 @@
             </a:ln>
             <a:extLst>
               <a:ext uri="{91240B29-F687-4f45-9708-019B960494DF}">
-                <a14:hiddenLine xmlns="" xmlns:a14="http://schemas.microsoft.com/office/drawing/2010/main" w="9525">
+                <a14:hiddenLine xmlns:a14="http://schemas.microsoft.com/office/drawing/2010/main" xmlns="" w="9525">
                   <a:solidFill>
                     <a:srgbClr val="000000"/>
                   </a:solidFill>
@@ -3982,7 +3983,7 @@
             </a:ln>
             <a:extLst>
               <a:ext uri="{91240B29-F687-4f45-9708-019B960494DF}">
-                <a14:hiddenLine xmlns="" xmlns:a14="http://schemas.microsoft.com/office/drawing/2010/main" w="9525">
+                <a14:hiddenLine xmlns:a14="http://schemas.microsoft.com/office/drawing/2010/main" xmlns="" w="9525">
                   <a:solidFill>
                     <a:srgbClr val="000000"/>
                   </a:solidFill>
@@ -4102,7 +4103,7 @@
             </a:ln>
             <a:extLst>
               <a:ext uri="{91240B29-F687-4f45-9708-019B960494DF}">
-                <a14:hiddenLine xmlns="" xmlns:a14="http://schemas.microsoft.com/office/drawing/2010/main" w="9525">
+                <a14:hiddenLine xmlns:a14="http://schemas.microsoft.com/office/drawing/2010/main" xmlns="" w="9525">
                   <a:solidFill>
                     <a:srgbClr val="000000"/>
                   </a:solidFill>
@@ -4170,7 +4171,7 @@
             </a:ln>
             <a:extLst>
               <a:ext uri="{91240B29-F687-4f45-9708-019B960494DF}">
-                <a14:hiddenLine xmlns="" xmlns:a14="http://schemas.microsoft.com/office/drawing/2010/main" w="9525">
+                <a14:hiddenLine xmlns:a14="http://schemas.microsoft.com/office/drawing/2010/main" xmlns="" w="9525">
                   <a:solidFill>
                     <a:srgbClr val="000000"/>
                   </a:solidFill>
@@ -4260,7 +4261,7 @@
             </a:ln>
             <a:extLst>
               <a:ext uri="{91240B29-F687-4f45-9708-019B960494DF}">
-                <a14:hiddenLine xmlns="" xmlns:a14="http://schemas.microsoft.com/office/drawing/2010/main" w="9525">
+                <a14:hiddenLine xmlns:a14="http://schemas.microsoft.com/office/drawing/2010/main" xmlns="" w="9525">
                   <a:solidFill>
                     <a:srgbClr val="000000"/>
                   </a:solidFill>
@@ -4400,7 +4401,7 @@
           <a:p>
             <a:fld id="{48A87A34-81AB-432B-8DAE-1953F412C126}" type="datetimeFigureOut">
               <a:rPr lang="en-US" dirty="0"/>
-              <a:t>12/7/2017</a:t>
+              <a:t>12/12/2017</a:t>
             </a:fld>
             <a:endParaRPr lang="en-US" dirty="0"/>
           </a:p>
@@ -4662,7 +4663,7 @@
           <a:p>
             <a:fld id="{48A87A34-81AB-432B-8DAE-1953F412C126}" type="datetimeFigureOut">
               <a:rPr lang="en-US" dirty="0"/>
-              <a:t>12/7/2017</a:t>
+              <a:t>12/12/2017</a:t>
             </a:fld>
             <a:endParaRPr lang="en-US" dirty="0"/>
           </a:p>
@@ -4853,7 +4854,7 @@
           <a:p>
             <a:fld id="{48A87A34-81AB-432B-8DAE-1953F412C126}" type="datetimeFigureOut">
               <a:rPr lang="en-US" dirty="0"/>
-              <a:t>12/7/2017</a:t>
+              <a:t>12/12/2017</a:t>
             </a:fld>
             <a:endParaRPr lang="en-US" dirty="0"/>
           </a:p>
@@ -5111,7 +5112,7 @@
           <a:p>
             <a:fld id="{48A87A34-81AB-432B-8DAE-1953F412C126}" type="datetimeFigureOut">
               <a:rPr lang="en-US" dirty="0"/>
-              <a:t>12/7/2017</a:t>
+              <a:t>12/12/2017</a:t>
             </a:fld>
             <a:endParaRPr lang="en-US" dirty="0"/>
           </a:p>
@@ -5540,7 +5541,7 @@
           <a:p>
             <a:fld id="{48A87A34-81AB-432B-8DAE-1953F412C126}" type="datetimeFigureOut">
               <a:rPr lang="en-US" dirty="0"/>
-              <a:t>12/7/2017</a:t>
+              <a:t>12/12/2017</a:t>
             </a:fld>
             <a:endParaRPr lang="en-US" dirty="0"/>
           </a:p>
@@ -6081,7 +6082,7 @@
           <a:p>
             <a:fld id="{48A87A34-81AB-432B-8DAE-1953F412C126}" type="datetimeFigureOut">
               <a:rPr lang="en-US" dirty="0"/>
-              <a:t>12/7/2017</a:t>
+              <a:t>12/12/2017</a:t>
             </a:fld>
             <a:endParaRPr lang="en-US" dirty="0"/>
           </a:p>
@@ -6796,7 +6797,7 @@
           <a:p>
             <a:fld id="{48A87A34-81AB-432B-8DAE-1953F412C126}" type="datetimeFigureOut">
               <a:rPr lang="en-US" dirty="0"/>
-              <a:t>12/7/2017</a:t>
+              <a:t>12/12/2017</a:t>
             </a:fld>
             <a:endParaRPr lang="en-US" dirty="0"/>
           </a:p>
@@ -6961,7 +6962,7 @@
           <a:p>
             <a:fld id="{48A87A34-81AB-432B-8DAE-1953F412C126}" type="datetimeFigureOut">
               <a:rPr lang="en-US" dirty="0"/>
-              <a:t>12/7/2017</a:t>
+              <a:t>12/12/2017</a:t>
             </a:fld>
             <a:endParaRPr lang="en-US" dirty="0"/>
           </a:p>
@@ -7136,7 +7137,7 @@
           <a:p>
             <a:fld id="{48A87A34-81AB-432B-8DAE-1953F412C126}" type="datetimeFigureOut">
               <a:rPr lang="en-US" dirty="0"/>
-              <a:t>12/7/2017</a:t>
+              <a:t>12/12/2017</a:t>
             </a:fld>
             <a:endParaRPr lang="en-US" dirty="0"/>
           </a:p>
@@ -7301,7 +7302,7 @@
           <a:p>
             <a:fld id="{48A87A34-81AB-432B-8DAE-1953F412C126}" type="datetimeFigureOut">
               <a:rPr lang="en-US" dirty="0"/>
-              <a:t>12/7/2017</a:t>
+              <a:t>12/12/2017</a:t>
             </a:fld>
             <a:endParaRPr lang="en-US" dirty="0"/>
           </a:p>
@@ -7546,7 +7547,7 @@
           <a:p>
             <a:fld id="{48A87A34-81AB-432B-8DAE-1953F412C126}" type="datetimeFigureOut">
               <a:rPr lang="en-US" dirty="0"/>
-              <a:t>12/7/2017</a:t>
+              <a:t>12/12/2017</a:t>
             </a:fld>
             <a:endParaRPr lang="en-US" dirty="0"/>
           </a:p>
@@ -7773,7 +7774,7 @@
           <a:p>
             <a:fld id="{48A87A34-81AB-432B-8DAE-1953F412C126}" type="datetimeFigureOut">
               <a:rPr lang="en-US" dirty="0"/>
-              <a:t>12/7/2017</a:t>
+              <a:t>12/12/2017</a:t>
             </a:fld>
             <a:endParaRPr lang="en-US" dirty="0"/>
           </a:p>
@@ -8149,7 +8150,7 @@
           <a:p>
             <a:fld id="{48A87A34-81AB-432B-8DAE-1953F412C126}" type="datetimeFigureOut">
               <a:rPr lang="en-US" dirty="0"/>
-              <a:t>12/7/2017</a:t>
+              <a:t>12/12/2017</a:t>
             </a:fld>
             <a:endParaRPr lang="en-US" dirty="0"/>
           </a:p>
@@ -8262,7 +8263,7 @@
           <a:p>
             <a:fld id="{48A87A34-81AB-432B-8DAE-1953F412C126}" type="datetimeFigureOut">
               <a:rPr lang="en-US" dirty="0"/>
-              <a:t>12/7/2017</a:t>
+              <a:t>12/12/2017</a:t>
             </a:fld>
             <a:endParaRPr lang="en-US" dirty="0"/>
           </a:p>
@@ -8352,7 +8353,7 @@
           <a:p>
             <a:fld id="{48A87A34-81AB-432B-8DAE-1953F412C126}" type="datetimeFigureOut">
               <a:rPr lang="en-US" dirty="0"/>
-              <a:t>12/7/2017</a:t>
+              <a:t>12/12/2017</a:t>
             </a:fld>
             <a:endParaRPr lang="en-US" dirty="0"/>
           </a:p>
@@ -8596,7 +8597,7 @@
           <a:p>
             <a:fld id="{48A87A34-81AB-432B-8DAE-1953F412C126}" type="datetimeFigureOut">
               <a:rPr lang="en-US" dirty="0"/>
-              <a:t>12/7/2017</a:t>
+              <a:t>12/12/2017</a:t>
             </a:fld>
             <a:endParaRPr lang="en-US" dirty="0"/>
           </a:p>
@@ -8871,7 +8872,7 @@
           <a:p>
             <a:fld id="{48A87A34-81AB-432B-8DAE-1953F412C126}" type="datetimeFigureOut">
               <a:rPr lang="en-US" dirty="0"/>
-              <a:t>12/7/2017</a:t>
+              <a:t>12/12/2017</a:t>
             </a:fld>
             <a:endParaRPr lang="en-US" dirty="0"/>
           </a:p>
@@ -8982,7 +8983,7 @@
           <a:noFill/>
           <a:extLst>
             <a:ext uri="{909E8E84-426E-40dd-AFC4-6F175D3DCCD1}">
-              <a14:hiddenFill xmlns="" xmlns:a14="http://schemas.microsoft.com/office/drawing/2010/main">
+              <a14:hiddenFill xmlns:a14="http://schemas.microsoft.com/office/drawing/2010/main" xmlns="">
                 <a:solidFill>
                   <a:srgbClr val="FFFFFF"/>
                 </a:solidFill>
@@ -9056,7 +9057,7 @@
               </a:ln>
               <a:extLst>
                 <a:ext uri="{91240B29-F687-4f45-9708-019B960494DF}">
-                  <a14:hiddenLine xmlns="" xmlns:a14="http://schemas.microsoft.com/office/drawing/2010/main" w="9525">
+                  <a14:hiddenLine xmlns:a14="http://schemas.microsoft.com/office/drawing/2010/main" xmlns="" w="9525">
                     <a:solidFill>
                       <a:srgbClr val="000000"/>
                     </a:solidFill>
@@ -9146,7 +9147,7 @@
               </a:ln>
               <a:extLst>
                 <a:ext uri="{91240B29-F687-4f45-9708-019B960494DF}">
-                  <a14:hiddenLine xmlns="" xmlns:a14="http://schemas.microsoft.com/office/drawing/2010/main" w="9525">
+                  <a14:hiddenLine xmlns:a14="http://schemas.microsoft.com/office/drawing/2010/main" xmlns="" w="9525">
                     <a:solidFill>
                       <a:srgbClr val="000000"/>
                     </a:solidFill>
@@ -9236,7 +9237,7 @@
               </a:ln>
               <a:extLst>
                 <a:ext uri="{91240B29-F687-4f45-9708-019B960494DF}">
-                  <a14:hiddenLine xmlns="" xmlns:a14="http://schemas.microsoft.com/office/drawing/2010/main" w="9525">
+                  <a14:hiddenLine xmlns:a14="http://schemas.microsoft.com/office/drawing/2010/main" xmlns="" w="9525">
                     <a:solidFill>
                       <a:srgbClr val="000000"/>
                     </a:solidFill>
@@ -9298,7 +9299,7 @@
               </a:ln>
               <a:extLst>
                 <a:ext uri="{91240B29-F687-4f45-9708-019B960494DF}">
-                  <a14:hiddenLine xmlns="" xmlns:a14="http://schemas.microsoft.com/office/drawing/2010/main" w="9525">
+                  <a14:hiddenLine xmlns:a14="http://schemas.microsoft.com/office/drawing/2010/main" xmlns="" w="9525">
                     <a:solidFill>
                       <a:srgbClr val="000000"/>
                     </a:solidFill>
@@ -9388,7 +9389,7 @@
               </a:ln>
               <a:extLst>
                 <a:ext uri="{91240B29-F687-4f45-9708-019B960494DF}">
-                  <a14:hiddenLine xmlns="" xmlns:a14="http://schemas.microsoft.com/office/drawing/2010/main" w="9525">
+                  <a14:hiddenLine xmlns:a14="http://schemas.microsoft.com/office/drawing/2010/main" xmlns="" w="9525">
                     <a:solidFill>
                       <a:srgbClr val="000000"/>
                     </a:solidFill>
@@ -9450,7 +9451,7 @@
               </a:ln>
               <a:extLst>
                 <a:ext uri="{91240B29-F687-4f45-9708-019B960494DF}">
-                  <a14:hiddenLine xmlns="" xmlns:a14="http://schemas.microsoft.com/office/drawing/2010/main" w="9525">
+                  <a14:hiddenLine xmlns:a14="http://schemas.microsoft.com/office/drawing/2010/main" xmlns="" w="9525">
                     <a:solidFill>
                       <a:srgbClr val="000000"/>
                     </a:solidFill>
@@ -9512,7 +9513,7 @@
               </a:ln>
               <a:extLst>
                 <a:ext uri="{91240B29-F687-4f45-9708-019B960494DF}">
-                  <a14:hiddenLine xmlns="" xmlns:a14="http://schemas.microsoft.com/office/drawing/2010/main" w="9525">
+                  <a14:hiddenLine xmlns:a14="http://schemas.microsoft.com/office/drawing/2010/main" xmlns="" w="9525">
                     <a:solidFill>
                       <a:srgbClr val="000000"/>
                     </a:solidFill>
@@ -9602,7 +9603,7 @@
               </a:ln>
               <a:extLst>
                 <a:ext uri="{91240B29-F687-4f45-9708-019B960494DF}">
-                  <a14:hiddenLine xmlns="" xmlns:a14="http://schemas.microsoft.com/office/drawing/2010/main" w="9525">
+                  <a14:hiddenLine xmlns:a14="http://schemas.microsoft.com/office/drawing/2010/main" xmlns="" w="9525">
                     <a:solidFill>
                       <a:srgbClr val="000000"/>
                     </a:solidFill>
@@ -9692,7 +9693,7 @@
               </a:ln>
               <a:extLst>
                 <a:ext uri="{91240B29-F687-4f45-9708-019B960494DF}">
-                  <a14:hiddenLine xmlns="" xmlns:a14="http://schemas.microsoft.com/office/drawing/2010/main" w="9525">
+                  <a14:hiddenLine xmlns:a14="http://schemas.microsoft.com/office/drawing/2010/main" xmlns="" w="9525">
                     <a:solidFill>
                       <a:srgbClr val="000000"/>
                     </a:solidFill>
@@ -9754,7 +9755,7 @@
               </a:ln>
               <a:extLst>
                 <a:ext uri="{91240B29-F687-4f45-9708-019B960494DF}">
-                  <a14:hiddenLine xmlns="" xmlns:a14="http://schemas.microsoft.com/office/drawing/2010/main" w="9525">
+                  <a14:hiddenLine xmlns:a14="http://schemas.microsoft.com/office/drawing/2010/main" xmlns="" w="9525">
                     <a:solidFill>
                       <a:srgbClr val="000000"/>
                     </a:solidFill>
@@ -9864,7 +9865,7 @@
               </a:ln>
               <a:extLst>
                 <a:ext uri="{91240B29-F687-4f45-9708-019B960494DF}">
-                  <a14:hiddenLine xmlns="" xmlns:a14="http://schemas.microsoft.com/office/drawing/2010/main" w="9525">
+                  <a14:hiddenLine xmlns:a14="http://schemas.microsoft.com/office/drawing/2010/main" xmlns="" w="9525">
                     <a:solidFill>
                       <a:srgbClr val="000000"/>
                     </a:solidFill>
@@ -9948,7 +9949,7 @@
               </a:ln>
               <a:extLst>
                 <a:ext uri="{91240B29-F687-4f45-9708-019B960494DF}">
-                  <a14:hiddenLine xmlns="" xmlns:a14="http://schemas.microsoft.com/office/drawing/2010/main" w="9525">
+                  <a14:hiddenLine xmlns:a14="http://schemas.microsoft.com/office/drawing/2010/main" xmlns="" w="9525">
                     <a:solidFill>
                       <a:srgbClr val="000000"/>
                     </a:solidFill>
@@ -10010,7 +10011,7 @@
               </a:ln>
               <a:extLst>
                 <a:ext uri="{91240B29-F687-4f45-9708-019B960494DF}">
-                  <a14:hiddenLine xmlns="" xmlns:a14="http://schemas.microsoft.com/office/drawing/2010/main" w="9525">
+                  <a14:hiddenLine xmlns:a14="http://schemas.microsoft.com/office/drawing/2010/main" xmlns="" w="9525">
                     <a:solidFill>
                       <a:srgbClr val="000000"/>
                     </a:solidFill>
@@ -10072,7 +10073,7 @@
               </a:ln>
               <a:extLst>
                 <a:ext uri="{91240B29-F687-4f45-9708-019B960494DF}">
-                  <a14:hiddenLine xmlns="" xmlns:a14="http://schemas.microsoft.com/office/drawing/2010/main" w="9525">
+                  <a14:hiddenLine xmlns:a14="http://schemas.microsoft.com/office/drawing/2010/main" xmlns="" w="9525">
                     <a:solidFill>
                       <a:srgbClr val="000000"/>
                     </a:solidFill>
@@ -10162,7 +10163,7 @@
               </a:ln>
               <a:extLst>
                 <a:ext uri="{91240B29-F687-4f45-9708-019B960494DF}">
-                  <a14:hiddenLine xmlns="" xmlns:a14="http://schemas.microsoft.com/office/drawing/2010/main" w="9525">
+                  <a14:hiddenLine xmlns:a14="http://schemas.microsoft.com/office/drawing/2010/main" xmlns="" w="9525">
                     <a:solidFill>
                       <a:srgbClr val="000000"/>
                     </a:solidFill>
@@ -10196,7 +10197,7 @@
               </a:ln>
               <a:extLst>
                 <a:ext uri="{91240B29-F687-4f45-9708-019B960494DF}">
-                  <a14:hiddenLine xmlns="" xmlns:a14="http://schemas.microsoft.com/office/drawing/2010/main" w="9525">
+                  <a14:hiddenLine xmlns:a14="http://schemas.microsoft.com/office/drawing/2010/main" xmlns="" w="9525">
                     <a:solidFill>
                       <a:srgbClr val="000000"/>
                     </a:solidFill>
@@ -10261,7 +10262,7 @@
               </a:ln>
               <a:extLst>
                 <a:ext uri="{91240B29-F687-4f45-9708-019B960494DF}">
-                  <a14:hiddenLine xmlns="" xmlns:a14="http://schemas.microsoft.com/office/drawing/2010/main" w="9525">
+                  <a14:hiddenLine xmlns:a14="http://schemas.microsoft.com/office/drawing/2010/main" xmlns="" w="9525">
                     <a:solidFill>
                       <a:srgbClr val="000000"/>
                     </a:solidFill>
@@ -10351,7 +10352,7 @@
               </a:ln>
               <a:extLst>
                 <a:ext uri="{91240B29-F687-4f45-9708-019B960494DF}">
-                  <a14:hiddenLine xmlns="" xmlns:a14="http://schemas.microsoft.com/office/drawing/2010/main" w="9525">
+                  <a14:hiddenLine xmlns:a14="http://schemas.microsoft.com/office/drawing/2010/main" xmlns="" w="9525">
                     <a:solidFill>
                       <a:srgbClr val="000000"/>
                     </a:solidFill>
@@ -10413,7 +10414,7 @@
               </a:ln>
               <a:extLst>
                 <a:ext uri="{91240B29-F687-4f45-9708-019B960494DF}">
-                  <a14:hiddenLine xmlns="" xmlns:a14="http://schemas.microsoft.com/office/drawing/2010/main" w="9525">
+                  <a14:hiddenLine xmlns:a14="http://schemas.microsoft.com/office/drawing/2010/main" xmlns="" w="9525">
                     <a:solidFill>
                       <a:srgbClr val="000000"/>
                     </a:solidFill>
@@ -10503,7 +10504,7 @@
               </a:ln>
               <a:extLst>
                 <a:ext uri="{91240B29-F687-4f45-9708-019B960494DF}">
-                  <a14:hiddenLine xmlns="" xmlns:a14="http://schemas.microsoft.com/office/drawing/2010/main" w="9525">
+                  <a14:hiddenLine xmlns:a14="http://schemas.microsoft.com/office/drawing/2010/main" xmlns="" w="9525">
                     <a:solidFill>
                       <a:srgbClr val="000000"/>
                     </a:solidFill>
@@ -10568,7 +10569,7 @@
               </a:ln>
               <a:extLst>
                 <a:ext uri="{91240B29-F687-4f45-9708-019B960494DF}">
-                  <a14:hiddenLine xmlns="" xmlns:a14="http://schemas.microsoft.com/office/drawing/2010/main" w="9525">
+                  <a14:hiddenLine xmlns:a14="http://schemas.microsoft.com/office/drawing/2010/main" xmlns="" w="9525">
                     <a:solidFill>
                       <a:srgbClr val="000000"/>
                     </a:solidFill>
@@ -10630,7 +10631,7 @@
               </a:ln>
               <a:extLst>
                 <a:ext uri="{91240B29-F687-4f45-9708-019B960494DF}">
-                  <a14:hiddenLine xmlns="" xmlns:a14="http://schemas.microsoft.com/office/drawing/2010/main" w="9525">
+                  <a14:hiddenLine xmlns:a14="http://schemas.microsoft.com/office/drawing/2010/main" xmlns="" w="9525">
                     <a:solidFill>
                       <a:srgbClr val="000000"/>
                     </a:solidFill>
@@ -10720,7 +10721,7 @@
               </a:ln>
               <a:extLst>
                 <a:ext uri="{91240B29-F687-4f45-9708-019B960494DF}">
-                  <a14:hiddenLine xmlns="" xmlns:a14="http://schemas.microsoft.com/office/drawing/2010/main" w="9525">
+                  <a14:hiddenLine xmlns:a14="http://schemas.microsoft.com/office/drawing/2010/main" xmlns="" w="9525">
                     <a:solidFill>
                       <a:srgbClr val="000000"/>
                     </a:solidFill>
@@ -10810,7 +10811,7 @@
               </a:ln>
               <a:extLst>
                 <a:ext uri="{91240B29-F687-4f45-9708-019B960494DF}">
-                  <a14:hiddenLine xmlns="" xmlns:a14="http://schemas.microsoft.com/office/drawing/2010/main" w="9525">
+                  <a14:hiddenLine xmlns:a14="http://schemas.microsoft.com/office/drawing/2010/main" xmlns="" w="9525">
                     <a:solidFill>
                       <a:srgbClr val="000000"/>
                     </a:solidFill>
@@ -10875,7 +10876,7 @@
               </a:ln>
               <a:extLst>
                 <a:ext uri="{91240B29-F687-4f45-9708-019B960494DF}">
-                  <a14:hiddenLine xmlns="" xmlns:a14="http://schemas.microsoft.com/office/drawing/2010/main" w="9525">
+                  <a14:hiddenLine xmlns:a14="http://schemas.microsoft.com/office/drawing/2010/main" xmlns="" w="9525">
                     <a:solidFill>
                       <a:srgbClr val="000000"/>
                     </a:solidFill>
@@ -10995,7 +10996,7 @@
               </a:ln>
               <a:extLst>
                 <a:ext uri="{91240B29-F687-4f45-9708-019B960494DF}">
-                  <a14:hiddenLine xmlns="" xmlns:a14="http://schemas.microsoft.com/office/drawing/2010/main" w="9525">
+                  <a14:hiddenLine xmlns:a14="http://schemas.microsoft.com/office/drawing/2010/main" xmlns="" w="9525">
                     <a:solidFill>
                       <a:srgbClr val="000000"/>
                     </a:solidFill>
@@ -11093,7 +11094,7 @@
               </a:ln>
               <a:extLst>
                 <a:ext uri="{91240B29-F687-4f45-9708-019B960494DF}">
-                  <a14:hiddenLine xmlns="" xmlns:a14="http://schemas.microsoft.com/office/drawing/2010/main" w="9525">
+                  <a14:hiddenLine xmlns:a14="http://schemas.microsoft.com/office/drawing/2010/main" xmlns="" w="9525">
                     <a:solidFill>
                       <a:srgbClr val="000000"/>
                     </a:solidFill>
@@ -11208,7 +11209,7 @@
               </a:ln>
               <a:extLst>
                 <a:ext uri="{91240B29-F687-4f45-9708-019B960494DF}">
-                  <a14:hiddenLine xmlns="" xmlns:a14="http://schemas.microsoft.com/office/drawing/2010/main" w="9525">
+                  <a14:hiddenLine xmlns:a14="http://schemas.microsoft.com/office/drawing/2010/main" xmlns="" w="9525">
                     <a:solidFill>
                       <a:srgbClr val="000000"/>
                     </a:solidFill>
@@ -11298,7 +11299,7 @@
               </a:ln>
               <a:extLst>
                 <a:ext uri="{91240B29-F687-4f45-9708-019B960494DF}">
-                  <a14:hiddenLine xmlns="" xmlns:a14="http://schemas.microsoft.com/office/drawing/2010/main" w="9525">
+                  <a14:hiddenLine xmlns:a14="http://schemas.microsoft.com/office/drawing/2010/main" xmlns="" w="9525">
                     <a:solidFill>
                       <a:srgbClr val="000000"/>
                     </a:solidFill>
@@ -11363,7 +11364,7 @@
               </a:ln>
               <a:extLst>
                 <a:ext uri="{91240B29-F687-4f45-9708-019B960494DF}">
-                  <a14:hiddenLine xmlns="" xmlns:a14="http://schemas.microsoft.com/office/drawing/2010/main" w="9525">
+                  <a14:hiddenLine xmlns:a14="http://schemas.microsoft.com/office/drawing/2010/main" xmlns="" w="9525">
                     <a:solidFill>
                       <a:srgbClr val="000000"/>
                     </a:solidFill>
@@ -11453,7 +11454,7 @@
               </a:ln>
               <a:extLst>
                 <a:ext uri="{91240B29-F687-4f45-9708-019B960494DF}">
-                  <a14:hiddenLine xmlns="" xmlns:a14="http://schemas.microsoft.com/office/drawing/2010/main" w="9525">
+                  <a14:hiddenLine xmlns:a14="http://schemas.microsoft.com/office/drawing/2010/main" xmlns="" w="9525">
                     <a:solidFill>
                       <a:srgbClr val="000000"/>
                     </a:solidFill>
@@ -11521,7 +11522,7 @@
               </a:ln>
               <a:extLst>
                 <a:ext uri="{91240B29-F687-4f45-9708-019B960494DF}">
-                  <a14:hiddenLine xmlns="" xmlns:a14="http://schemas.microsoft.com/office/drawing/2010/main" w="9525">
+                  <a14:hiddenLine xmlns:a14="http://schemas.microsoft.com/office/drawing/2010/main" xmlns="" w="9525">
                     <a:solidFill>
                       <a:srgbClr val="000000"/>
                     </a:solidFill>
@@ -11611,7 +11612,7 @@
               </a:ln>
               <a:extLst>
                 <a:ext uri="{91240B29-F687-4f45-9708-019B960494DF}">
-                  <a14:hiddenLine xmlns="" xmlns:a14="http://schemas.microsoft.com/office/drawing/2010/main" w="9525">
+                  <a14:hiddenLine xmlns:a14="http://schemas.microsoft.com/office/drawing/2010/main" xmlns="" w="9525">
                     <a:solidFill>
                       <a:srgbClr val="000000"/>
                     </a:solidFill>
@@ -11679,7 +11680,7 @@
               </a:ln>
               <a:extLst>
                 <a:ext uri="{91240B29-F687-4f45-9708-019B960494DF}">
-                  <a14:hiddenLine xmlns="" xmlns:a14="http://schemas.microsoft.com/office/drawing/2010/main" w="9525">
+                  <a14:hiddenLine xmlns:a14="http://schemas.microsoft.com/office/drawing/2010/main" xmlns="" w="9525">
                     <a:solidFill>
                       <a:srgbClr val="000000"/>
                     </a:solidFill>
@@ -11769,7 +11770,7 @@
               </a:ln>
               <a:extLst>
                 <a:ext uri="{91240B29-F687-4f45-9708-019B960494DF}">
-                  <a14:hiddenLine xmlns="" xmlns:a14="http://schemas.microsoft.com/office/drawing/2010/main" w="9525">
+                  <a14:hiddenLine xmlns:a14="http://schemas.microsoft.com/office/drawing/2010/main" xmlns="" w="9525">
                     <a:solidFill>
                       <a:srgbClr val="000000"/>
                     </a:solidFill>
@@ -11803,7 +11804,7 @@
               </a:ln>
               <a:extLst>
                 <a:ext uri="{91240B29-F687-4f45-9708-019B960494DF}">
-                  <a14:hiddenLine xmlns="" xmlns:a14="http://schemas.microsoft.com/office/drawing/2010/main" w="9525">
+                  <a14:hiddenLine xmlns:a14="http://schemas.microsoft.com/office/drawing/2010/main" xmlns="" w="9525">
                     <a:solidFill>
                       <a:srgbClr val="000000"/>
                     </a:solidFill>
@@ -11944,7 +11945,7 @@
             <a:fld id="{48A87A34-81AB-432B-8DAE-1953F412C126}" type="datetimeFigureOut">
               <a:rPr lang="en-US" dirty="0"/>
               <a:pPr/>
-              <a:t>12/7/2017</a:t>
+              <a:t>12/12/2017</a:t>
             </a:fld>
             <a:endParaRPr lang="en-US" dirty="0"/>
           </a:p>
@@ -12488,6 +12489,129 @@
 </p:sld>
 </file>
 
+<file path=ppt/slides/slide10.xml><?xml version="1.0" encoding="utf-8"?>
+<p:sld xmlns:a="http://schemas.openxmlformats.org/drawingml/2006/main" xmlns:r="http://schemas.openxmlformats.org/officeDocument/2006/relationships" xmlns:p="http://schemas.openxmlformats.org/presentationml/2006/main">
+  <p:cSld>
+    <p:spTree>
+      <p:nvGrpSpPr>
+        <p:cNvPr id="1" name=""/>
+        <p:cNvGrpSpPr/>
+        <p:nvPr/>
+      </p:nvGrpSpPr>
+      <p:grpSpPr>
+        <a:xfrm>
+          <a:off x="0" y="0"/>
+          <a:ext cx="0" cy="0"/>
+          <a:chOff x="0" y="0"/>
+          <a:chExt cx="0" cy="0"/>
+        </a:xfrm>
+      </p:grpSpPr>
+      <p:sp>
+        <p:nvSpPr>
+          <p:cNvPr id="2" name="Title 1">
+            <a:extLst>
+              <a:ext uri="{FF2B5EF4-FFF2-40B4-BE49-F238E27FC236}">
+                <a16:creationId xmlns:a16="http://schemas.microsoft.com/office/drawing/2014/main" id="{89131CC2-EBE1-4B80-A5DD-C4A492D02ED7}"/>
+              </a:ext>
+            </a:extLst>
+          </p:cNvPr>
+          <p:cNvSpPr>
+            <a:spLocks noGrp="1"/>
+          </p:cNvSpPr>
+          <p:nvPr>
+            <p:ph type="title"/>
+          </p:nvPr>
+        </p:nvSpPr>
+        <p:spPr>
+          <a:xfrm>
+            <a:off x="1143001" y="521241"/>
+            <a:ext cx="9905998" cy="869814"/>
+          </a:xfrm>
+        </p:spPr>
+        <p:txBody>
+          <a:bodyPr/>
+          <a:lstStyle/>
+          <a:p>
+            <a:r>
+              <a:rPr lang="en-US" dirty="0"/>
+              <a:t>Code segments</a:t>
+            </a:r>
+          </a:p>
+        </p:txBody>
+      </p:sp>
+      <p:pic>
+        <p:nvPicPr>
+          <p:cNvPr id="4" name="Picture 3">
+            <a:extLst>
+              <a:ext uri="{FF2B5EF4-FFF2-40B4-BE49-F238E27FC236}">
+                <a16:creationId xmlns:a16="http://schemas.microsoft.com/office/drawing/2014/main" id="{363E14B9-EA1C-42D9-99D4-4F3D0B805834}"/>
+              </a:ext>
+            </a:extLst>
+          </p:cNvPr>
+          <p:cNvPicPr>
+            <a:picLocks noChangeAspect="1"/>
+          </p:cNvPicPr>
+          <p:nvPr/>
+        </p:nvPicPr>
+        <p:blipFill>
+          <a:blip r:embed="rId2"/>
+          <a:stretch>
+            <a:fillRect/>
+          </a:stretch>
+        </p:blipFill>
+        <p:spPr>
+          <a:xfrm>
+            <a:off x="5689110" y="82685"/>
+            <a:ext cx="6502890" cy="6692630"/>
+          </a:xfrm>
+          <a:prstGeom prst="rect">
+            <a:avLst/>
+          </a:prstGeom>
+        </p:spPr>
+      </p:pic>
+      <p:pic>
+        <p:nvPicPr>
+          <p:cNvPr id="5" name="Picture 4">
+            <a:extLst>
+              <a:ext uri="{FF2B5EF4-FFF2-40B4-BE49-F238E27FC236}">
+                <a16:creationId xmlns:a16="http://schemas.microsoft.com/office/drawing/2014/main" id="{67C149A9-36C9-478D-84CF-1264F0E64F05}"/>
+              </a:ext>
+            </a:extLst>
+          </p:cNvPr>
+          <p:cNvPicPr>
+            <a:picLocks noChangeAspect="1"/>
+          </p:cNvPicPr>
+          <p:nvPr/>
+        </p:nvPicPr>
+        <p:blipFill>
+          <a:blip r:embed="rId3"/>
+          <a:stretch>
+            <a:fillRect/>
+          </a:stretch>
+        </p:blipFill>
+        <p:spPr>
+          <a:xfrm>
+            <a:off x="465407" y="2051118"/>
+            <a:ext cx="4932820" cy="2559793"/>
+          </a:xfrm>
+          <a:prstGeom prst="rect">
+            <a:avLst/>
+          </a:prstGeom>
+        </p:spPr>
+      </p:pic>
+    </p:spTree>
+    <p:extLst>
+      <p:ext uri="{BB962C8B-B14F-4D97-AF65-F5344CB8AC3E}">
+        <p14:creationId xmlns:p14="http://schemas.microsoft.com/office/powerpoint/2010/main" val="237382838"/>
+      </p:ext>
+    </p:extLst>
+  </p:cSld>
+  <p:clrMapOvr>
+    <a:masterClrMapping/>
+  </p:clrMapOvr>
+</p:sld>
+</file>
+
 <file path=ppt/slides/slide2.xml><?xml version="1.0" encoding="utf-8"?>
 <p:sld xmlns:a="http://schemas.openxmlformats.org/drawingml/2006/main" xmlns:r="http://schemas.openxmlformats.org/officeDocument/2006/relationships" xmlns:p="http://schemas.openxmlformats.org/presentationml/2006/main">
   <p:cSld>
@@ -13141,7 +13265,12 @@
             <p:ph type="title"/>
           </p:nvPr>
         </p:nvSpPr>
-        <p:spPr/>
+        <p:spPr>
+          <a:xfrm>
+            <a:off x="1143001" y="622569"/>
+            <a:ext cx="9905998" cy="871403"/>
+          </a:xfrm>
+        </p:spPr>
         <p:txBody>
           <a:bodyPr/>
           <a:lstStyle/>
@@ -13153,31 +13282,66 @@
           </a:p>
         </p:txBody>
       </p:sp>
-      <p:sp>
-        <p:nvSpPr>
-          <p:cNvPr id="3" name="Content Placeholder 2">
+      <p:pic>
+        <p:nvPicPr>
+          <p:cNvPr id="5" name="Picture 4">
             <a:extLst>
               <a:ext uri="{FF2B5EF4-FFF2-40B4-BE49-F238E27FC236}">
-                <a16:creationId xmlns:a16="http://schemas.microsoft.com/office/drawing/2014/main" id="{86413C79-19D3-4F63-9DDA-22277B5C3F04}"/>
+                <a16:creationId xmlns:a16="http://schemas.microsoft.com/office/drawing/2014/main" id="{3CF01037-D477-43D5-9532-2C113A7626A4}"/>
               </a:ext>
             </a:extLst>
           </p:cNvPr>
-          <p:cNvSpPr>
-            <a:spLocks noGrp="1"/>
-          </p:cNvSpPr>
-          <p:nvPr>
-            <p:ph idx="1"/>
-          </p:nvPr>
-        </p:nvSpPr>
-        <p:spPr/>
-        <p:txBody>
-          <a:bodyPr/>
-          <a:lstStyle/>
-          <a:p>
-            <a:endParaRPr lang="en-US"/>
-          </a:p>
-        </p:txBody>
-      </p:sp>
+          <p:cNvPicPr>
+            <a:picLocks noChangeAspect="1"/>
+          </p:cNvPicPr>
+          <p:nvPr/>
+        </p:nvPicPr>
+        <p:blipFill>
+          <a:blip r:embed="rId2"/>
+          <a:stretch>
+            <a:fillRect/>
+          </a:stretch>
+        </p:blipFill>
+        <p:spPr>
+          <a:xfrm>
+            <a:off x="6427652" y="731595"/>
+            <a:ext cx="5618263" cy="6005369"/>
+          </a:xfrm>
+          <a:prstGeom prst="rect">
+            <a:avLst/>
+          </a:prstGeom>
+        </p:spPr>
+      </p:pic>
+      <p:pic>
+        <p:nvPicPr>
+          <p:cNvPr id="6" name="Picture 5">
+            <a:extLst>
+              <a:ext uri="{FF2B5EF4-FFF2-40B4-BE49-F238E27FC236}">
+                <a16:creationId xmlns:a16="http://schemas.microsoft.com/office/drawing/2014/main" id="{03D3AA41-3BFA-4676-8676-2B918F0E2C74}"/>
+              </a:ext>
+            </a:extLst>
+          </p:cNvPr>
+          <p:cNvPicPr>
+            <a:picLocks noChangeAspect="1"/>
+          </p:cNvPicPr>
+          <p:nvPr/>
+        </p:nvPicPr>
+        <p:blipFill>
+          <a:blip r:embed="rId3"/>
+          <a:stretch>
+            <a:fillRect/>
+          </a:stretch>
+        </p:blipFill>
+        <p:spPr>
+          <a:xfrm>
+            <a:off x="249201" y="1870745"/>
+            <a:ext cx="5515149" cy="4229409"/>
+          </a:xfrm>
+          <a:prstGeom prst="rect">
+            <a:avLst/>
+          </a:prstGeom>
+        </p:spPr>
+      </p:pic>
     </p:spTree>
     <p:extLst>
       <p:ext uri="{BB962C8B-B14F-4D97-AF65-F5344CB8AC3E}">
@@ -13224,11 +13388,17 @@
             <p:ph type="title"/>
           </p:nvPr>
         </p:nvSpPr>
-        <p:spPr/>
+        <p:spPr>
+          <a:xfrm>
+            <a:off x="3990773" y="486382"/>
+            <a:ext cx="4210454" cy="861675"/>
+          </a:xfrm>
+        </p:spPr>
         <p:txBody>
           <a:bodyPr/>
           <a:lstStyle/>
           <a:p>
+            <a:pPr algn="ctr"/>
             <a:r>
               <a:rPr lang="en-US" dirty="0"/>
               <a:t>Code segments</a:t>
@@ -13236,31 +13406,36 @@
           </a:p>
         </p:txBody>
       </p:sp>
-      <p:sp>
-        <p:nvSpPr>
-          <p:cNvPr id="3" name="Content Placeholder 2">
+      <p:pic>
+        <p:nvPicPr>
+          <p:cNvPr id="7" name="Picture 6">
             <a:extLst>
               <a:ext uri="{FF2B5EF4-FFF2-40B4-BE49-F238E27FC236}">
-                <a16:creationId xmlns:a16="http://schemas.microsoft.com/office/drawing/2014/main" id="{62D1D94C-1773-4C96-9AEC-DB7F14260E73}"/>
+                <a16:creationId xmlns:a16="http://schemas.microsoft.com/office/drawing/2014/main" id="{D08BBAC2-C211-425B-BD00-30D7B2CA5A75}"/>
               </a:ext>
             </a:extLst>
           </p:cNvPr>
-          <p:cNvSpPr>
-            <a:spLocks noGrp="1"/>
-          </p:cNvSpPr>
-          <p:nvPr>
-            <p:ph idx="1"/>
-          </p:nvPr>
-        </p:nvSpPr>
-        <p:spPr/>
-        <p:txBody>
-          <a:bodyPr/>
-          <a:lstStyle/>
-          <a:p>
-            <a:endParaRPr lang="en-US"/>
-          </a:p>
-        </p:txBody>
-      </p:sp>
+          <p:cNvPicPr>
+            <a:picLocks noChangeAspect="1"/>
+          </p:cNvPicPr>
+          <p:nvPr/>
+        </p:nvPicPr>
+        <p:blipFill>
+          <a:blip r:embed="rId2"/>
+          <a:stretch>
+            <a:fillRect/>
+          </a:stretch>
+        </p:blipFill>
+        <p:spPr>
+          <a:xfrm>
+            <a:off x="1197465" y="1234871"/>
+            <a:ext cx="9797070" cy="5467487"/>
+          </a:xfrm>
+          <a:prstGeom prst="rect">
+            <a:avLst/>
+          </a:prstGeom>
+        </p:spPr>
+      </p:pic>
     </p:spTree>
     <p:extLst>
       <p:ext uri="{BB962C8B-B14F-4D97-AF65-F5344CB8AC3E}">
